--- a/Project/Slides_Thanapoom.pptx
+++ b/Project/Slides_Thanapoom.pptx
@@ -18326,6 +18326,2001 @@
           </a:p>
         </p:txBody>
       </p:sp>
+      <p:graphicFrame>
+        <p:nvGraphicFramePr>
+          <p:cNvPr id="74" name="Table 73">
+            <a:extLst>
+              <a:ext uri="{FF2B5EF4-FFF2-40B4-BE49-F238E27FC236}">
+                <a16:creationId xmlns:a16="http://schemas.microsoft.com/office/drawing/2014/main" id="{6465F08E-5CC8-77EE-44F3-80BE7D406C6E}"/>
+              </a:ext>
+            </a:extLst>
+          </p:cNvPr>
+          <p:cNvGraphicFramePr>
+            <a:graphicFrameLocks noGrp="1"/>
+          </p:cNvGraphicFramePr>
+          <p:nvPr>
+            <p:extLst>
+              <p:ext uri="{D42A27DB-BD31-4B8C-83A1-F6EECF244321}">
+                <p14:modId xmlns:p14="http://schemas.microsoft.com/office/powerpoint/2010/main" val="3007001893"/>
+              </p:ext>
+            </p:extLst>
+          </p:nvPr>
+        </p:nvGraphicFramePr>
+        <p:xfrm>
+          <a:off x="-71319" y="2204846"/>
+          <a:ext cx="8758395" cy="4794674"/>
+        </p:xfrm>
+        <a:graphic>
+          <a:graphicData uri="http://schemas.openxmlformats.org/drawingml/2006/table">
+            <a:tbl>
+              <a:tblPr firstRow="1" bandRow="1">
+                <a:tableStyleId>{7DF18680-E054-41AD-8BC1-D1AEF772440D}</a:tableStyleId>
+              </a:tblPr>
+              <a:tblGrid>
+                <a:gridCol w="1508704">
+                  <a:extLst>
+                    <a:ext uri="{9D8B030D-6E8A-4147-A177-3AD203B41FA5}">
+                      <a16:colId xmlns:a16="http://schemas.microsoft.com/office/drawing/2014/main" val="390867045"/>
+                    </a:ext>
+                  </a:extLst>
+                </a:gridCol>
+                <a:gridCol w="1047645">
+                  <a:extLst>
+                    <a:ext uri="{9D8B030D-6E8A-4147-A177-3AD203B41FA5}">
+                      <a16:colId xmlns:a16="http://schemas.microsoft.com/office/drawing/2014/main" val="923432283"/>
+                    </a:ext>
+                  </a:extLst>
+                </a:gridCol>
+                <a:gridCol w="1007136">
+                  <a:extLst>
+                    <a:ext uri="{9D8B030D-6E8A-4147-A177-3AD203B41FA5}">
+                      <a16:colId xmlns:a16="http://schemas.microsoft.com/office/drawing/2014/main" val="1074034515"/>
+                    </a:ext>
+                  </a:extLst>
+                </a:gridCol>
+                <a:gridCol w="1007136">
+                  <a:extLst>
+                    <a:ext uri="{9D8B030D-6E8A-4147-A177-3AD203B41FA5}">
+                      <a16:colId xmlns:a16="http://schemas.microsoft.com/office/drawing/2014/main" val="2845790512"/>
+                    </a:ext>
+                  </a:extLst>
+                </a:gridCol>
+                <a:gridCol w="990426">
+                  <a:extLst>
+                    <a:ext uri="{9D8B030D-6E8A-4147-A177-3AD203B41FA5}">
+                      <a16:colId xmlns:a16="http://schemas.microsoft.com/office/drawing/2014/main" val="1794403854"/>
+                    </a:ext>
+                  </a:extLst>
+                </a:gridCol>
+                <a:gridCol w="990426">
+                  <a:extLst>
+                    <a:ext uri="{9D8B030D-6E8A-4147-A177-3AD203B41FA5}">
+                      <a16:colId xmlns:a16="http://schemas.microsoft.com/office/drawing/2014/main" val="1154760174"/>
+                    </a:ext>
+                  </a:extLst>
+                </a:gridCol>
+                <a:gridCol w="990426">
+                  <a:extLst>
+                    <a:ext uri="{9D8B030D-6E8A-4147-A177-3AD203B41FA5}">
+                      <a16:colId xmlns:a16="http://schemas.microsoft.com/office/drawing/2014/main" val="3297583313"/>
+                    </a:ext>
+                  </a:extLst>
+                </a:gridCol>
+                <a:gridCol w="1216496">
+                  <a:extLst>
+                    <a:ext uri="{9D8B030D-6E8A-4147-A177-3AD203B41FA5}">
+                      <a16:colId xmlns:a16="http://schemas.microsoft.com/office/drawing/2014/main" val="3006281740"/>
+                    </a:ext>
+                  </a:extLst>
+                </a:gridCol>
+              </a:tblGrid>
+              <a:tr h="254862">
+                <a:tc rowSpan="2">
+                  <a:txBody>
+                    <a:bodyPr/>
+                    <a:lstStyle/>
+                    <a:p>
+                      <a:pPr algn="ctr"/>
+                      <a:r>
+                        <a:rPr lang="en-TH" sz="1100" b="1" dirty="0">
+                          <a:solidFill>
+                            <a:schemeClr val="tx1"/>
+                          </a:solidFill>
+                          <a:latin typeface="Times New Roman" panose="02020603050405020304" pitchFamily="18" charset="0"/>
+                          <a:cs typeface="Times New Roman" panose="02020603050405020304" pitchFamily="18" charset="0"/>
+                        </a:rPr>
+                        <a:t>Setting</a:t>
+                      </a:r>
+                    </a:p>
+                  </a:txBody>
+                  <a:tcPr anchor="ctr"/>
+                </a:tc>
+                <a:tc gridSpan="3">
+                  <a:txBody>
+                    <a:bodyPr/>
+                    <a:lstStyle/>
+                    <a:p>
+                      <a:pPr algn="ctr"/>
+                      <a:r>
+                        <a:rPr lang="en-TH" sz="1100" b="1" dirty="0">
+                          <a:solidFill>
+                            <a:schemeClr val="tx1"/>
+                          </a:solidFill>
+                          <a:latin typeface="Times New Roman" panose="02020603050405020304" pitchFamily="18" charset="0"/>
+                          <a:cs typeface="Times New Roman" panose="02020603050405020304" pitchFamily="18" charset="0"/>
+                        </a:rPr>
+                        <a:t>Training loss</a:t>
+                      </a:r>
+                    </a:p>
+                  </a:txBody>
+                  <a:tcPr anchor="ctr"/>
+                </a:tc>
+                <a:tc hMerge="1">
+                  <a:txBody>
+                    <a:bodyPr/>
+                    <a:lstStyle/>
+                    <a:p>
+                      <a:pPr algn="ctr"/>
+                      <a:endParaRPr lang="en-TH" sz="1100" dirty="0"/>
+                    </a:p>
+                  </a:txBody>
+                  <a:tcPr/>
+                </a:tc>
+                <a:tc hMerge="1">
+                  <a:txBody>
+                    <a:bodyPr/>
+                    <a:lstStyle/>
+                    <a:p>
+                      <a:pPr algn="ctr"/>
+                      <a:endParaRPr lang="en-TH" sz="1100" dirty="0"/>
+                    </a:p>
+                  </a:txBody>
+                  <a:tcPr/>
+                </a:tc>
+                <a:tc gridSpan="3">
+                  <a:txBody>
+                    <a:bodyPr/>
+                    <a:lstStyle/>
+                    <a:p>
+                      <a:pPr algn="ctr"/>
+                      <a:r>
+                        <a:rPr lang="en-TH" sz="1100" b="1" dirty="0">
+                          <a:solidFill>
+                            <a:schemeClr val="tx1"/>
+                          </a:solidFill>
+                          <a:latin typeface="Times New Roman" panose="02020603050405020304" pitchFamily="18" charset="0"/>
+                          <a:cs typeface="Times New Roman" panose="02020603050405020304" pitchFamily="18" charset="0"/>
+                        </a:rPr>
+                        <a:t>Validation accuracy</a:t>
+                      </a:r>
+                    </a:p>
+                  </a:txBody>
+                  <a:tcPr anchor="ctr"/>
+                </a:tc>
+                <a:tc hMerge="1">
+                  <a:txBody>
+                    <a:bodyPr/>
+                    <a:lstStyle/>
+                    <a:p>
+                      <a:pPr algn="ctr"/>
+                      <a:endParaRPr lang="en-TH" sz="1100" dirty="0"/>
+                    </a:p>
+                  </a:txBody>
+                  <a:tcPr/>
+                </a:tc>
+                <a:tc hMerge="1">
+                  <a:txBody>
+                    <a:bodyPr/>
+                    <a:lstStyle/>
+                    <a:p>
+                      <a:pPr algn="ctr"/>
+                      <a:endParaRPr lang="en-TH" sz="1100" dirty="0"/>
+                    </a:p>
+                  </a:txBody>
+                  <a:tcPr/>
+                </a:tc>
+                <a:tc rowSpan="2">
+                  <a:txBody>
+                    <a:bodyPr/>
+                    <a:lstStyle/>
+                    <a:p>
+                      <a:pPr algn="ctr"/>
+                      <a:r>
+                        <a:rPr lang="en-TH" sz="1100" b="1" dirty="0">
+                          <a:solidFill>
+                            <a:schemeClr val="tx1"/>
+                          </a:solidFill>
+                          <a:latin typeface="Times New Roman" panose="02020603050405020304" pitchFamily="18" charset="0"/>
+                          <a:cs typeface="Times New Roman" panose="02020603050405020304" pitchFamily="18" charset="0"/>
+                        </a:rPr>
+                        <a:t>Training time</a:t>
+                      </a:r>
+                    </a:p>
+                    <a:p>
+                      <a:pPr algn="ctr"/>
+                      <a:r>
+                        <a:rPr lang="en-TH" sz="1100" b="1" dirty="0">
+                          <a:solidFill>
+                            <a:schemeClr val="tx1"/>
+                          </a:solidFill>
+                          <a:latin typeface="Times New Roman" panose="02020603050405020304" pitchFamily="18" charset="0"/>
+                          <a:cs typeface="Times New Roman" panose="02020603050405020304" pitchFamily="18" charset="0"/>
+                        </a:rPr>
+                        <a:t>(seconds)</a:t>
+                      </a:r>
+                    </a:p>
+                  </a:txBody>
+                  <a:tcPr anchor="ctr"/>
+                </a:tc>
+                <a:extLst>
+                  <a:ext uri="{0D108BD9-81ED-4DB2-BD59-A6C34878D82A}">
+                    <a16:rowId xmlns:a16="http://schemas.microsoft.com/office/drawing/2014/main" val="3445058626"/>
+                  </a:ext>
+                </a:extLst>
+              </a:tr>
+              <a:tr h="268394">
+                <a:tc vMerge="1">
+                  <a:txBody>
+                    <a:bodyPr/>
+                    <a:lstStyle/>
+                    <a:p>
+                      <a:pPr algn="ctr"/>
+                      <a:endParaRPr lang="en-TH" sz="1100" dirty="0"/>
+                    </a:p>
+                  </a:txBody>
+                  <a:tcPr/>
+                </a:tc>
+                <a:tc>
+                  <a:txBody>
+                    <a:bodyPr/>
+                    <a:lstStyle/>
+                    <a:p>
+                      <a:pPr algn="ctr"/>
+                      <a:r>
+                        <a:rPr lang="en-TH" sz="1100" b="1" dirty="0">
+                          <a:solidFill>
+                            <a:schemeClr val="tx1"/>
+                          </a:solidFill>
+                          <a:latin typeface="Times New Roman" panose="02020603050405020304" pitchFamily="18" charset="0"/>
+                          <a:cs typeface="Times New Roman" panose="02020603050405020304" pitchFamily="18" charset="0"/>
+                        </a:rPr>
+                        <a:t>Epoch 1</a:t>
+                      </a:r>
+                    </a:p>
+                  </a:txBody>
+                  <a:tcPr anchor="ctr"/>
+                </a:tc>
+                <a:tc>
+                  <a:txBody>
+                    <a:bodyPr/>
+                    <a:lstStyle/>
+                    <a:p>
+                      <a:pPr algn="ctr"/>
+                      <a:r>
+                        <a:rPr lang="en-TH" sz="1100" b="1" dirty="0">
+                          <a:solidFill>
+                            <a:schemeClr val="tx1"/>
+                          </a:solidFill>
+                          <a:latin typeface="Times New Roman" panose="02020603050405020304" pitchFamily="18" charset="0"/>
+                          <a:cs typeface="Times New Roman" panose="02020603050405020304" pitchFamily="18" charset="0"/>
+                        </a:rPr>
+                        <a:t>Epoch 2</a:t>
+                      </a:r>
+                    </a:p>
+                  </a:txBody>
+                  <a:tcPr anchor="ctr"/>
+                </a:tc>
+                <a:tc>
+                  <a:txBody>
+                    <a:bodyPr/>
+                    <a:lstStyle/>
+                    <a:p>
+                      <a:pPr algn="ctr"/>
+                      <a:r>
+                        <a:rPr lang="en-TH" sz="1100" b="1" dirty="0">
+                          <a:solidFill>
+                            <a:schemeClr val="tx1"/>
+                          </a:solidFill>
+                          <a:latin typeface="Times New Roman" panose="02020603050405020304" pitchFamily="18" charset="0"/>
+                          <a:cs typeface="Times New Roman" panose="02020603050405020304" pitchFamily="18" charset="0"/>
+                        </a:rPr>
+                        <a:t>Epoch 3</a:t>
+                      </a:r>
+                    </a:p>
+                  </a:txBody>
+                  <a:tcPr anchor="ctr"/>
+                </a:tc>
+                <a:tc>
+                  <a:txBody>
+                    <a:bodyPr/>
+                    <a:lstStyle/>
+                    <a:p>
+                      <a:pPr algn="ctr"/>
+                      <a:r>
+                        <a:rPr lang="en-TH" sz="1100" b="1" dirty="0">
+                          <a:solidFill>
+                            <a:schemeClr val="tx1"/>
+                          </a:solidFill>
+                          <a:latin typeface="Times New Roman" panose="02020603050405020304" pitchFamily="18" charset="0"/>
+                          <a:cs typeface="Times New Roman" panose="02020603050405020304" pitchFamily="18" charset="0"/>
+                        </a:rPr>
+                        <a:t>E</a:t>
+                      </a:r>
+                      <a:r>
+                        <a:rPr lang="en-US" sz="1100" b="1" dirty="0">
+                          <a:solidFill>
+                            <a:schemeClr val="tx1"/>
+                          </a:solidFill>
+                          <a:latin typeface="Times New Roman" panose="02020603050405020304" pitchFamily="18" charset="0"/>
+                          <a:cs typeface="Times New Roman" panose="02020603050405020304" pitchFamily="18" charset="0"/>
+                        </a:rPr>
+                        <a:t>p</a:t>
+                      </a:r>
+                      <a:r>
+                        <a:rPr lang="en-TH" sz="1100" b="1" dirty="0">
+                          <a:solidFill>
+                            <a:schemeClr val="tx1"/>
+                          </a:solidFill>
+                          <a:latin typeface="Times New Roman" panose="02020603050405020304" pitchFamily="18" charset="0"/>
+                          <a:cs typeface="Times New Roman" panose="02020603050405020304" pitchFamily="18" charset="0"/>
+                        </a:rPr>
+                        <a:t>och 1</a:t>
+                      </a:r>
+                    </a:p>
+                  </a:txBody>
+                  <a:tcPr anchor="ctr"/>
+                </a:tc>
+                <a:tc>
+                  <a:txBody>
+                    <a:bodyPr/>
+                    <a:lstStyle/>
+                    <a:p>
+                      <a:pPr algn="ctr"/>
+                      <a:r>
+                        <a:rPr lang="en-TH" sz="1100" b="1" dirty="0">
+                          <a:solidFill>
+                            <a:schemeClr val="tx1"/>
+                          </a:solidFill>
+                          <a:latin typeface="Times New Roman" panose="02020603050405020304" pitchFamily="18" charset="0"/>
+                          <a:cs typeface="Times New Roman" panose="02020603050405020304" pitchFamily="18" charset="0"/>
+                        </a:rPr>
+                        <a:t>Epoch 2</a:t>
+                      </a:r>
+                    </a:p>
+                  </a:txBody>
+                  <a:tcPr anchor="ctr"/>
+                </a:tc>
+                <a:tc>
+                  <a:txBody>
+                    <a:bodyPr/>
+                    <a:lstStyle/>
+                    <a:p>
+                      <a:pPr algn="ctr"/>
+                      <a:r>
+                        <a:rPr lang="en-TH" sz="1100" b="1" dirty="0">
+                          <a:solidFill>
+                            <a:schemeClr val="tx1"/>
+                          </a:solidFill>
+                          <a:latin typeface="Times New Roman" panose="02020603050405020304" pitchFamily="18" charset="0"/>
+                          <a:cs typeface="Times New Roman" panose="02020603050405020304" pitchFamily="18" charset="0"/>
+                        </a:rPr>
+                        <a:t>Epoch 3</a:t>
+                      </a:r>
+                    </a:p>
+                  </a:txBody>
+                  <a:tcPr anchor="ctr"/>
+                </a:tc>
+                <a:tc vMerge="1">
+                  <a:txBody>
+                    <a:bodyPr/>
+                    <a:lstStyle/>
+                    <a:p>
+                      <a:pPr algn="ctr"/>
+                      <a:endParaRPr lang="en-TH" sz="1100" dirty="0"/>
+                    </a:p>
+                  </a:txBody>
+                  <a:tcPr/>
+                </a:tc>
+                <a:extLst>
+                  <a:ext uri="{0D108BD9-81ED-4DB2-BD59-A6C34878D82A}">
+                    <a16:rowId xmlns:a16="http://schemas.microsoft.com/office/drawing/2014/main" val="3014684028"/>
+                  </a:ext>
+                </a:extLst>
+              </a:tr>
+              <a:tr h="419773">
+                <a:tc>
+                  <a:txBody>
+                    <a:bodyPr/>
+                    <a:lstStyle/>
+                    <a:p>
+                      <a:pPr algn="ctr"/>
+                      <a:r>
+                        <a:rPr lang="en-TH" sz="1100" dirty="0">
+                          <a:latin typeface="Times New Roman" panose="02020603050405020304" pitchFamily="18" charset="0"/>
+                          <a:cs typeface="Times New Roman" panose="02020603050405020304" pitchFamily="18" charset="0"/>
+                        </a:rPr>
+                        <a:t>Batch size: 16</a:t>
+                      </a:r>
+                    </a:p>
+                    <a:p>
+                      <a:pPr algn="ctr"/>
+                      <a:r>
+                        <a:rPr lang="en-TH" sz="1100" dirty="0">
+                          <a:latin typeface="Times New Roman" panose="02020603050405020304" pitchFamily="18" charset="0"/>
+                          <a:cs typeface="Times New Roman" panose="02020603050405020304" pitchFamily="18" charset="0"/>
+                        </a:rPr>
+                        <a:t>Learning Rate: 2e-5</a:t>
+                      </a:r>
+                    </a:p>
+                  </a:txBody>
+                  <a:tcPr anchor="ctr"/>
+                </a:tc>
+                <a:tc>
+                  <a:txBody>
+                    <a:bodyPr/>
+                    <a:lstStyle/>
+                    <a:p>
+                      <a:pPr algn="ctr"/>
+                      <a:r>
+                        <a:rPr lang="en-TH" sz="1100" dirty="0">
+                          <a:latin typeface="Times New Roman" panose="02020603050405020304" pitchFamily="18" charset="0"/>
+                          <a:cs typeface="Times New Roman" panose="02020603050405020304" pitchFamily="18" charset="0"/>
+                        </a:rPr>
+                        <a:t>0.120</a:t>
+                      </a:r>
+                    </a:p>
+                  </a:txBody>
+                  <a:tcPr anchor="ctr"/>
+                </a:tc>
+                <a:tc>
+                  <a:txBody>
+                    <a:bodyPr/>
+                    <a:lstStyle/>
+                    <a:p>
+                      <a:pPr algn="ctr"/>
+                      <a:r>
+                        <a:rPr lang="en-TH" sz="1100" dirty="0">
+                          <a:latin typeface="Times New Roman" panose="02020603050405020304" pitchFamily="18" charset="0"/>
+                          <a:cs typeface="Times New Roman" panose="02020603050405020304" pitchFamily="18" charset="0"/>
+                        </a:rPr>
+                        <a:t>0.063</a:t>
+                      </a:r>
+                    </a:p>
+                  </a:txBody>
+                  <a:tcPr anchor="ctr"/>
+                </a:tc>
+                <a:tc>
+                  <a:txBody>
+                    <a:bodyPr/>
+                    <a:lstStyle/>
+                    <a:p>
+                      <a:pPr algn="ctr"/>
+                      <a:r>
+                        <a:rPr lang="en-TH" sz="1100" dirty="0">
+                          <a:latin typeface="Times New Roman" panose="02020603050405020304" pitchFamily="18" charset="0"/>
+                          <a:cs typeface="Times New Roman" panose="02020603050405020304" pitchFamily="18" charset="0"/>
+                        </a:rPr>
+                        <a:t>0.038</a:t>
+                      </a:r>
+                    </a:p>
+                  </a:txBody>
+                  <a:tcPr anchor="ctr"/>
+                </a:tc>
+                <a:tc>
+                  <a:txBody>
+                    <a:bodyPr/>
+                    <a:lstStyle/>
+                    <a:p>
+                      <a:pPr algn="ctr"/>
+                      <a:r>
+                        <a:rPr lang="en-TH" sz="1100" dirty="0">
+                          <a:latin typeface="Times New Roman" panose="02020603050405020304" pitchFamily="18" charset="0"/>
+                          <a:cs typeface="Times New Roman" panose="02020603050405020304" pitchFamily="18" charset="0"/>
+                        </a:rPr>
+                        <a:t>0.969</a:t>
+                      </a:r>
+                    </a:p>
+                  </a:txBody>
+                  <a:tcPr anchor="ctr"/>
+                </a:tc>
+                <a:tc>
+                  <a:txBody>
+                    <a:bodyPr/>
+                    <a:lstStyle/>
+                    <a:p>
+                      <a:pPr algn="ctr"/>
+                      <a:r>
+                        <a:rPr lang="en-TH" sz="1100" dirty="0">
+                          <a:latin typeface="Times New Roman" panose="02020603050405020304" pitchFamily="18" charset="0"/>
+                          <a:cs typeface="Times New Roman" panose="02020603050405020304" pitchFamily="18" charset="0"/>
+                        </a:rPr>
+                        <a:t>0.962</a:t>
+                      </a:r>
+                    </a:p>
+                  </a:txBody>
+                  <a:tcPr anchor="ctr"/>
+                </a:tc>
+                <a:tc>
+                  <a:txBody>
+                    <a:bodyPr/>
+                    <a:lstStyle/>
+                    <a:p>
+                      <a:pPr algn="ctr"/>
+                      <a:r>
+                        <a:rPr lang="en-TH" sz="1100" dirty="0">
+                          <a:latin typeface="Times New Roman" panose="02020603050405020304" pitchFamily="18" charset="0"/>
+                          <a:cs typeface="Times New Roman" panose="02020603050405020304" pitchFamily="18" charset="0"/>
+                        </a:rPr>
+                        <a:t>0.969</a:t>
+                      </a:r>
+                    </a:p>
+                  </a:txBody>
+                  <a:tcPr anchor="ctr"/>
+                </a:tc>
+                <a:tc>
+                  <a:txBody>
+                    <a:bodyPr/>
+                    <a:lstStyle/>
+                    <a:p>
+                      <a:pPr algn="ctr"/>
+                      <a:r>
+                        <a:rPr lang="en-TH" sz="1100" dirty="0">
+                          <a:latin typeface="Times New Roman" panose="02020603050405020304" pitchFamily="18" charset="0"/>
+                          <a:cs typeface="Times New Roman" panose="02020603050405020304" pitchFamily="18" charset="0"/>
+                        </a:rPr>
+                        <a:t>424.46</a:t>
+                      </a:r>
+                    </a:p>
+                  </a:txBody>
+                  <a:tcPr anchor="ctr"/>
+                </a:tc>
+                <a:extLst>
+                  <a:ext uri="{0D108BD9-81ED-4DB2-BD59-A6C34878D82A}">
+                    <a16:rowId xmlns:a16="http://schemas.microsoft.com/office/drawing/2014/main" val="3641377191"/>
+                  </a:ext>
+                </a:extLst>
+              </a:tr>
+              <a:tr h="419773">
+                <a:tc>
+                  <a:txBody>
+                    <a:bodyPr/>
+                    <a:lstStyle/>
+                    <a:p>
+                      <a:pPr algn="ctr"/>
+                      <a:r>
+                        <a:rPr lang="en-TH" sz="1100" dirty="0">
+                          <a:latin typeface="Times New Roman" panose="02020603050405020304" pitchFamily="18" charset="0"/>
+                          <a:cs typeface="Times New Roman" panose="02020603050405020304" pitchFamily="18" charset="0"/>
+                        </a:rPr>
+                        <a:t>Batch size: 64</a:t>
+                      </a:r>
+                    </a:p>
+                    <a:p>
+                      <a:pPr algn="ctr"/>
+                      <a:r>
+                        <a:rPr lang="en-TH" sz="1100" dirty="0">
+                          <a:latin typeface="Times New Roman" panose="02020603050405020304" pitchFamily="18" charset="0"/>
+                          <a:cs typeface="Times New Roman" panose="02020603050405020304" pitchFamily="18" charset="0"/>
+                        </a:rPr>
+                        <a:t>Learning Rate: 2e-5</a:t>
+                      </a:r>
+                    </a:p>
+                  </a:txBody>
+                  <a:tcPr anchor="ctr"/>
+                </a:tc>
+                <a:tc>
+                  <a:txBody>
+                    <a:bodyPr/>
+                    <a:lstStyle/>
+                    <a:p>
+                      <a:pPr algn="ctr"/>
+                      <a:r>
+                        <a:rPr lang="en-TH" sz="1100" dirty="0">
+                          <a:latin typeface="Times New Roman" panose="02020603050405020304" pitchFamily="18" charset="0"/>
+                          <a:cs typeface="Times New Roman" panose="02020603050405020304" pitchFamily="18" charset="0"/>
+                        </a:rPr>
+                        <a:t>0.138</a:t>
+                      </a:r>
+                    </a:p>
+                  </a:txBody>
+                  <a:tcPr anchor="ctr"/>
+                </a:tc>
+                <a:tc>
+                  <a:txBody>
+                    <a:bodyPr/>
+                    <a:lstStyle/>
+                    <a:p>
+                      <a:pPr algn="ctr"/>
+                      <a:r>
+                        <a:rPr lang="en-TH" sz="1100" dirty="0">
+                          <a:latin typeface="Times New Roman" panose="02020603050405020304" pitchFamily="18" charset="0"/>
+                          <a:cs typeface="Times New Roman" panose="02020603050405020304" pitchFamily="18" charset="0"/>
+                        </a:rPr>
+                        <a:t>0.072</a:t>
+                      </a:r>
+                    </a:p>
+                  </a:txBody>
+                  <a:tcPr anchor="ctr"/>
+                </a:tc>
+                <a:tc>
+                  <a:txBody>
+                    <a:bodyPr/>
+                    <a:lstStyle/>
+                    <a:p>
+                      <a:pPr algn="ctr"/>
+                      <a:r>
+                        <a:rPr lang="en-TH" sz="1100" dirty="0">
+                          <a:latin typeface="Times New Roman" panose="02020603050405020304" pitchFamily="18" charset="0"/>
+                          <a:cs typeface="Times New Roman" panose="02020603050405020304" pitchFamily="18" charset="0"/>
+                        </a:rPr>
+                        <a:t>0.045</a:t>
+                      </a:r>
+                    </a:p>
+                  </a:txBody>
+                  <a:tcPr anchor="ctr"/>
+                </a:tc>
+                <a:tc>
+                  <a:txBody>
+                    <a:bodyPr/>
+                    <a:lstStyle/>
+                    <a:p>
+                      <a:pPr algn="ctr"/>
+                      <a:r>
+                        <a:rPr lang="en-TH" sz="1100" dirty="0">
+                          <a:latin typeface="Times New Roman" panose="02020603050405020304" pitchFamily="18" charset="0"/>
+                          <a:cs typeface="Times New Roman" panose="02020603050405020304" pitchFamily="18" charset="0"/>
+                        </a:rPr>
+                        <a:t>0.963</a:t>
+                      </a:r>
+                    </a:p>
+                  </a:txBody>
+                  <a:tcPr anchor="ctr"/>
+                </a:tc>
+                <a:tc>
+                  <a:txBody>
+                    <a:bodyPr/>
+                    <a:lstStyle/>
+                    <a:p>
+                      <a:pPr algn="ctr"/>
+                      <a:r>
+                        <a:rPr lang="en-TH" sz="1100" dirty="0">
+                          <a:latin typeface="Times New Roman" panose="02020603050405020304" pitchFamily="18" charset="0"/>
+                          <a:cs typeface="Times New Roman" panose="02020603050405020304" pitchFamily="18" charset="0"/>
+                        </a:rPr>
+                        <a:t>0.970</a:t>
+                      </a:r>
+                    </a:p>
+                  </a:txBody>
+                  <a:tcPr anchor="ctr"/>
+                </a:tc>
+                <a:tc>
+                  <a:txBody>
+                    <a:bodyPr/>
+                    <a:lstStyle/>
+                    <a:p>
+                      <a:pPr algn="ctr"/>
+                      <a:r>
+                        <a:rPr lang="en-TH" sz="1100" dirty="0">
+                          <a:latin typeface="Times New Roman" panose="02020603050405020304" pitchFamily="18" charset="0"/>
+                          <a:cs typeface="Times New Roman" panose="02020603050405020304" pitchFamily="18" charset="0"/>
+                        </a:rPr>
+                        <a:t>0.968</a:t>
+                      </a:r>
+                    </a:p>
+                  </a:txBody>
+                  <a:tcPr anchor="ctr"/>
+                </a:tc>
+                <a:tc>
+                  <a:txBody>
+                    <a:bodyPr/>
+                    <a:lstStyle/>
+                    <a:p>
+                      <a:pPr algn="ctr"/>
+                      <a:r>
+                        <a:rPr lang="en-TH" sz="1100" dirty="0">
+                          <a:latin typeface="Times New Roman" panose="02020603050405020304" pitchFamily="18" charset="0"/>
+                          <a:cs typeface="Times New Roman" panose="02020603050405020304" pitchFamily="18" charset="0"/>
+                        </a:rPr>
+                        <a:t>369.48</a:t>
+                      </a:r>
+                    </a:p>
+                  </a:txBody>
+                  <a:tcPr anchor="ctr"/>
+                </a:tc>
+                <a:extLst>
+                  <a:ext uri="{0D108BD9-81ED-4DB2-BD59-A6C34878D82A}">
+                    <a16:rowId xmlns:a16="http://schemas.microsoft.com/office/drawing/2014/main" val="2952865892"/>
+                  </a:ext>
+                </a:extLst>
+              </a:tr>
+              <a:tr h="419773">
+                <a:tc>
+                  <a:txBody>
+                    <a:bodyPr/>
+                    <a:lstStyle/>
+                    <a:p>
+                      <a:pPr algn="ctr"/>
+                      <a:r>
+                        <a:rPr lang="en-TH" sz="1100" dirty="0">
+                          <a:latin typeface="Times New Roman" panose="02020603050405020304" pitchFamily="18" charset="0"/>
+                          <a:cs typeface="Times New Roman" panose="02020603050405020304" pitchFamily="18" charset="0"/>
+                        </a:rPr>
+                        <a:t>Batch size: 128</a:t>
+                      </a:r>
+                    </a:p>
+                    <a:p>
+                      <a:pPr algn="ctr"/>
+                      <a:r>
+                        <a:rPr lang="en-TH" sz="1100" dirty="0">
+                          <a:latin typeface="Times New Roman" panose="02020603050405020304" pitchFamily="18" charset="0"/>
+                          <a:cs typeface="Times New Roman" panose="02020603050405020304" pitchFamily="18" charset="0"/>
+                        </a:rPr>
+                        <a:t>Learning Rate: 2e-5</a:t>
+                      </a:r>
+                    </a:p>
+                  </a:txBody>
+                  <a:tcPr anchor="ctr"/>
+                </a:tc>
+                <a:tc gridSpan="7">
+                  <a:txBody>
+                    <a:bodyPr/>
+                    <a:lstStyle/>
+                    <a:p>
+                      <a:pPr algn="ctr"/>
+                      <a:r>
+                        <a:rPr lang="en-TH" sz="1100" dirty="0">
+                          <a:latin typeface="Times New Roman" panose="02020603050405020304" pitchFamily="18" charset="0"/>
+                          <a:cs typeface="Times New Roman" panose="02020603050405020304" pitchFamily="18" charset="0"/>
+                        </a:rPr>
+                        <a:t>Error (Too much memory usage)</a:t>
+                      </a:r>
+                    </a:p>
+                  </a:txBody>
+                  <a:tcPr anchor="ctr"/>
+                </a:tc>
+                <a:tc hMerge="1">
+                  <a:txBody>
+                    <a:bodyPr/>
+                    <a:lstStyle/>
+                    <a:p>
+                      <a:pPr algn="ctr"/>
+                      <a:endParaRPr lang="en-TH" sz="1100" dirty="0"/>
+                    </a:p>
+                  </a:txBody>
+                  <a:tcPr/>
+                </a:tc>
+                <a:tc hMerge="1">
+                  <a:txBody>
+                    <a:bodyPr/>
+                    <a:lstStyle/>
+                    <a:p>
+                      <a:pPr algn="ctr"/>
+                      <a:endParaRPr lang="en-TH" sz="1100" dirty="0"/>
+                    </a:p>
+                  </a:txBody>
+                  <a:tcPr/>
+                </a:tc>
+                <a:tc hMerge="1">
+                  <a:txBody>
+                    <a:bodyPr/>
+                    <a:lstStyle/>
+                    <a:p>
+                      <a:pPr algn="ctr"/>
+                      <a:endParaRPr lang="en-TH" sz="1100" dirty="0"/>
+                    </a:p>
+                  </a:txBody>
+                  <a:tcPr/>
+                </a:tc>
+                <a:tc hMerge="1">
+                  <a:txBody>
+                    <a:bodyPr/>
+                    <a:lstStyle/>
+                    <a:p>
+                      <a:pPr algn="ctr"/>
+                      <a:endParaRPr lang="en-TH" sz="1100" dirty="0"/>
+                    </a:p>
+                  </a:txBody>
+                  <a:tcPr/>
+                </a:tc>
+                <a:tc hMerge="1">
+                  <a:txBody>
+                    <a:bodyPr/>
+                    <a:lstStyle/>
+                    <a:p>
+                      <a:pPr algn="ctr"/>
+                      <a:endParaRPr lang="en-TH" sz="1100" dirty="0"/>
+                    </a:p>
+                  </a:txBody>
+                  <a:tcPr/>
+                </a:tc>
+                <a:tc hMerge="1">
+                  <a:txBody>
+                    <a:bodyPr/>
+                    <a:lstStyle/>
+                    <a:p>
+                      <a:pPr algn="ctr"/>
+                      <a:endParaRPr lang="en-TH" sz="1100" dirty="0"/>
+                    </a:p>
+                  </a:txBody>
+                  <a:tcPr/>
+                </a:tc>
+                <a:extLst>
+                  <a:ext uri="{0D108BD9-81ED-4DB2-BD59-A6C34878D82A}">
+                    <a16:rowId xmlns:a16="http://schemas.microsoft.com/office/drawing/2014/main" val="3965171809"/>
+                  </a:ext>
+                </a:extLst>
+              </a:tr>
+              <a:tr h="419773">
+                <a:tc>
+                  <a:txBody>
+                    <a:bodyPr/>
+                    <a:lstStyle/>
+                    <a:p>
+                      <a:pPr algn="ctr"/>
+                      <a:r>
+                        <a:rPr lang="en-TH" sz="1100" b="1" dirty="0">
+                          <a:latin typeface="Times New Roman" panose="02020603050405020304" pitchFamily="18" charset="0"/>
+                          <a:cs typeface="Times New Roman" panose="02020603050405020304" pitchFamily="18" charset="0"/>
+                        </a:rPr>
+                        <a:t>Batch size: 32</a:t>
+                      </a:r>
+                    </a:p>
+                    <a:p>
+                      <a:pPr algn="ctr"/>
+                      <a:r>
+                        <a:rPr lang="en-TH" sz="1100" b="1" dirty="0">
+                          <a:latin typeface="Times New Roman" panose="02020603050405020304" pitchFamily="18" charset="0"/>
+                          <a:cs typeface="Times New Roman" panose="02020603050405020304" pitchFamily="18" charset="0"/>
+                        </a:rPr>
+                        <a:t>Learning Rate: 2e-5</a:t>
+                      </a:r>
+                    </a:p>
+                  </a:txBody>
+                  <a:tcPr anchor="ctr"/>
+                </a:tc>
+                <a:tc>
+                  <a:txBody>
+                    <a:bodyPr/>
+                    <a:lstStyle/>
+                    <a:p>
+                      <a:pPr algn="ctr"/>
+                      <a:r>
+                        <a:rPr lang="en-TH" sz="1100" b="1" dirty="0">
+                          <a:latin typeface="Times New Roman" panose="02020603050405020304" pitchFamily="18" charset="0"/>
+                          <a:cs typeface="Times New Roman" panose="02020603050405020304" pitchFamily="18" charset="0"/>
+                        </a:rPr>
+                        <a:t>0.156</a:t>
+                      </a:r>
+                    </a:p>
+                  </a:txBody>
+                  <a:tcPr anchor="ctr"/>
+                </a:tc>
+                <a:tc>
+                  <a:txBody>
+                    <a:bodyPr/>
+                    <a:lstStyle/>
+                    <a:p>
+                      <a:pPr algn="ctr"/>
+                      <a:r>
+                        <a:rPr lang="en-TH" sz="1100" b="1" dirty="0">
+                          <a:latin typeface="Times New Roman" panose="02020603050405020304" pitchFamily="18" charset="0"/>
+                          <a:cs typeface="Times New Roman" panose="02020603050405020304" pitchFamily="18" charset="0"/>
+                        </a:rPr>
+                        <a:t>0.077</a:t>
+                      </a:r>
+                    </a:p>
+                  </a:txBody>
+                  <a:tcPr anchor="ctr"/>
+                </a:tc>
+                <a:tc>
+                  <a:txBody>
+                    <a:bodyPr/>
+                    <a:lstStyle/>
+                    <a:p>
+                      <a:pPr algn="ctr"/>
+                      <a:r>
+                        <a:rPr lang="en-TH" sz="1100" b="1" dirty="0">
+                          <a:latin typeface="Times New Roman" panose="02020603050405020304" pitchFamily="18" charset="0"/>
+                          <a:cs typeface="Times New Roman" panose="02020603050405020304" pitchFamily="18" charset="0"/>
+                        </a:rPr>
+                        <a:t>0.045</a:t>
+                      </a:r>
+                    </a:p>
+                  </a:txBody>
+                  <a:tcPr anchor="ctr"/>
+                </a:tc>
+                <a:tc>
+                  <a:txBody>
+                    <a:bodyPr/>
+                    <a:lstStyle/>
+                    <a:p>
+                      <a:pPr algn="ctr"/>
+                      <a:r>
+                        <a:rPr lang="en-TH" sz="1100" b="1" dirty="0">
+                          <a:latin typeface="Times New Roman" panose="02020603050405020304" pitchFamily="18" charset="0"/>
+                          <a:cs typeface="Times New Roman" panose="02020603050405020304" pitchFamily="18" charset="0"/>
+                        </a:rPr>
+                        <a:t>0.972</a:t>
+                      </a:r>
+                    </a:p>
+                  </a:txBody>
+                  <a:tcPr anchor="ctr"/>
+                </a:tc>
+                <a:tc>
+                  <a:txBody>
+                    <a:bodyPr/>
+                    <a:lstStyle/>
+                    <a:p>
+                      <a:pPr algn="ctr"/>
+                      <a:r>
+                        <a:rPr lang="en-TH" sz="1100" b="1" dirty="0">
+                          <a:latin typeface="Times New Roman" panose="02020603050405020304" pitchFamily="18" charset="0"/>
+                          <a:cs typeface="Times New Roman" panose="02020603050405020304" pitchFamily="18" charset="0"/>
+                        </a:rPr>
+                        <a:t>0.972</a:t>
+                      </a:r>
+                    </a:p>
+                  </a:txBody>
+                  <a:tcPr anchor="ctr"/>
+                </a:tc>
+                <a:tc>
+                  <a:txBody>
+                    <a:bodyPr/>
+                    <a:lstStyle/>
+                    <a:p>
+                      <a:pPr algn="ctr"/>
+                      <a:r>
+                        <a:rPr lang="en-TH" sz="1100" b="1" dirty="0">
+                          <a:latin typeface="Times New Roman" panose="02020603050405020304" pitchFamily="18" charset="0"/>
+                          <a:cs typeface="Times New Roman" panose="02020603050405020304" pitchFamily="18" charset="0"/>
+                        </a:rPr>
+                        <a:t>0.971</a:t>
+                      </a:r>
+                    </a:p>
+                  </a:txBody>
+                  <a:tcPr anchor="ctr"/>
+                </a:tc>
+                <a:tc>
+                  <a:txBody>
+                    <a:bodyPr/>
+                    <a:lstStyle/>
+                    <a:p>
+                      <a:pPr algn="ctr"/>
+                      <a:r>
+                        <a:rPr lang="en-TH" sz="1100" b="1" dirty="0">
+                          <a:latin typeface="Times New Roman" panose="02020603050405020304" pitchFamily="18" charset="0"/>
+                          <a:cs typeface="Times New Roman" panose="02020603050405020304" pitchFamily="18" charset="0"/>
+                        </a:rPr>
+                        <a:t>388.22</a:t>
+                      </a:r>
+                    </a:p>
+                  </a:txBody>
+                  <a:tcPr anchor="ctr"/>
+                </a:tc>
+                <a:extLst>
+                  <a:ext uri="{0D108BD9-81ED-4DB2-BD59-A6C34878D82A}">
+                    <a16:rowId xmlns:a16="http://schemas.microsoft.com/office/drawing/2014/main" val="2968532399"/>
+                  </a:ext>
+                </a:extLst>
+              </a:tr>
+              <a:tr h="419773">
+                <a:tc>
+                  <a:txBody>
+                    <a:bodyPr/>
+                    <a:lstStyle/>
+                    <a:p>
+                      <a:pPr algn="ctr"/>
+                      <a:r>
+                        <a:rPr lang="en-TH" sz="1100" dirty="0">
+                          <a:latin typeface="Times New Roman" panose="02020603050405020304" pitchFamily="18" charset="0"/>
+                          <a:cs typeface="Times New Roman" panose="02020603050405020304" pitchFamily="18" charset="0"/>
+                        </a:rPr>
+                        <a:t>Batch size: 32</a:t>
+                      </a:r>
+                    </a:p>
+                    <a:p>
+                      <a:pPr algn="ctr"/>
+                      <a:r>
+                        <a:rPr lang="en-TH" sz="1100" dirty="0">
+                          <a:latin typeface="Times New Roman" panose="02020603050405020304" pitchFamily="18" charset="0"/>
+                          <a:cs typeface="Times New Roman" panose="02020603050405020304" pitchFamily="18" charset="0"/>
+                        </a:rPr>
+                        <a:t>Learning Rate: 5e-5</a:t>
+                      </a:r>
+                    </a:p>
+                  </a:txBody>
+                  <a:tcPr anchor="ctr"/>
+                </a:tc>
+                <a:tc>
+                  <a:txBody>
+                    <a:bodyPr/>
+                    <a:lstStyle/>
+                    <a:p>
+                      <a:pPr algn="ctr"/>
+                      <a:r>
+                        <a:rPr lang="en-TH" sz="1100" dirty="0">
+                          <a:latin typeface="Times New Roman" panose="02020603050405020304" pitchFamily="18" charset="0"/>
+                          <a:cs typeface="Times New Roman" panose="02020603050405020304" pitchFamily="18" charset="0"/>
+                        </a:rPr>
+                        <a:t>0.136</a:t>
+                      </a:r>
+                    </a:p>
+                  </a:txBody>
+                  <a:tcPr anchor="ctr"/>
+                </a:tc>
+                <a:tc>
+                  <a:txBody>
+                    <a:bodyPr/>
+                    <a:lstStyle/>
+                    <a:p>
+                      <a:pPr algn="ctr"/>
+                      <a:r>
+                        <a:rPr lang="en-TH" sz="1100" dirty="0">
+                          <a:latin typeface="Times New Roman" panose="02020603050405020304" pitchFamily="18" charset="0"/>
+                          <a:cs typeface="Times New Roman" panose="02020603050405020304" pitchFamily="18" charset="0"/>
+                        </a:rPr>
+                        <a:t>0.071</a:t>
+                      </a:r>
+                    </a:p>
+                  </a:txBody>
+                  <a:tcPr anchor="ctr"/>
+                </a:tc>
+                <a:tc>
+                  <a:txBody>
+                    <a:bodyPr/>
+                    <a:lstStyle/>
+                    <a:p>
+                      <a:pPr algn="ctr"/>
+                      <a:r>
+                        <a:rPr lang="en-TH" sz="1100" dirty="0">
+                          <a:latin typeface="Times New Roman" panose="02020603050405020304" pitchFamily="18" charset="0"/>
+                          <a:cs typeface="Times New Roman" panose="02020603050405020304" pitchFamily="18" charset="0"/>
+                        </a:rPr>
+                        <a:t>0.043</a:t>
+                      </a:r>
+                    </a:p>
+                  </a:txBody>
+                  <a:tcPr anchor="ctr"/>
+                </a:tc>
+                <a:tc>
+                  <a:txBody>
+                    <a:bodyPr/>
+                    <a:lstStyle/>
+                    <a:p>
+                      <a:pPr algn="ctr"/>
+                      <a:r>
+                        <a:rPr lang="en-TH" sz="1100" dirty="0">
+                          <a:latin typeface="Times New Roman" panose="02020603050405020304" pitchFamily="18" charset="0"/>
+                          <a:cs typeface="Times New Roman" panose="02020603050405020304" pitchFamily="18" charset="0"/>
+                        </a:rPr>
+                        <a:t>0.970</a:t>
+                      </a:r>
+                    </a:p>
+                  </a:txBody>
+                  <a:tcPr anchor="ctr"/>
+                </a:tc>
+                <a:tc>
+                  <a:txBody>
+                    <a:bodyPr/>
+                    <a:lstStyle/>
+                    <a:p>
+                      <a:pPr algn="ctr"/>
+                      <a:r>
+                        <a:rPr lang="en-TH" sz="1100" dirty="0">
+                          <a:latin typeface="Times New Roman" panose="02020603050405020304" pitchFamily="18" charset="0"/>
+                          <a:cs typeface="Times New Roman" panose="02020603050405020304" pitchFamily="18" charset="0"/>
+                        </a:rPr>
+                        <a:t>0.968</a:t>
+                      </a:r>
+                    </a:p>
+                  </a:txBody>
+                  <a:tcPr anchor="ctr"/>
+                </a:tc>
+                <a:tc>
+                  <a:txBody>
+                    <a:bodyPr/>
+                    <a:lstStyle/>
+                    <a:p>
+                      <a:pPr algn="ctr"/>
+                      <a:r>
+                        <a:rPr lang="en-TH" sz="1100" dirty="0">
+                          <a:latin typeface="Times New Roman" panose="02020603050405020304" pitchFamily="18" charset="0"/>
+                          <a:cs typeface="Times New Roman" panose="02020603050405020304" pitchFamily="18" charset="0"/>
+                        </a:rPr>
+                        <a:t>0.969</a:t>
+                      </a:r>
+                    </a:p>
+                  </a:txBody>
+                  <a:tcPr anchor="ctr"/>
+                </a:tc>
+                <a:tc>
+                  <a:txBody>
+                    <a:bodyPr/>
+                    <a:lstStyle/>
+                    <a:p>
+                      <a:pPr algn="ctr"/>
+                      <a:r>
+                        <a:rPr lang="en-TH" sz="1100" dirty="0">
+                          <a:latin typeface="Times New Roman" panose="02020603050405020304" pitchFamily="18" charset="0"/>
+                          <a:cs typeface="Times New Roman" panose="02020603050405020304" pitchFamily="18" charset="0"/>
+                        </a:rPr>
+                        <a:t>388.85</a:t>
+                      </a:r>
+                    </a:p>
+                  </a:txBody>
+                  <a:tcPr anchor="ctr"/>
+                </a:tc>
+                <a:extLst>
+                  <a:ext uri="{0D108BD9-81ED-4DB2-BD59-A6C34878D82A}">
+                    <a16:rowId xmlns:a16="http://schemas.microsoft.com/office/drawing/2014/main" val="817301648"/>
+                  </a:ext>
+                </a:extLst>
+              </a:tr>
+              <a:tr h="419773">
+                <a:tc>
+                  <a:txBody>
+                    <a:bodyPr/>
+                    <a:lstStyle/>
+                    <a:p>
+                      <a:pPr algn="ctr"/>
+                      <a:r>
+                        <a:rPr lang="en-TH" sz="1100" dirty="0">
+                          <a:latin typeface="Times New Roman" panose="02020603050405020304" pitchFamily="18" charset="0"/>
+                          <a:cs typeface="Times New Roman" panose="02020603050405020304" pitchFamily="18" charset="0"/>
+                        </a:rPr>
+                        <a:t>Batch size: 32</a:t>
+                      </a:r>
+                    </a:p>
+                    <a:p>
+                      <a:pPr algn="ctr"/>
+                      <a:r>
+                        <a:rPr lang="en-TH" sz="1100" dirty="0">
+                          <a:latin typeface="Times New Roman" panose="02020603050405020304" pitchFamily="18" charset="0"/>
+                          <a:cs typeface="Times New Roman" panose="02020603050405020304" pitchFamily="18" charset="0"/>
+                        </a:rPr>
+                        <a:t>Learning Rate: 1e-2</a:t>
+                      </a:r>
+                    </a:p>
+                  </a:txBody>
+                  <a:tcPr anchor="ctr"/>
+                </a:tc>
+                <a:tc>
+                  <a:txBody>
+                    <a:bodyPr/>
+                    <a:lstStyle/>
+                    <a:p>
+                      <a:pPr algn="ctr"/>
+                      <a:r>
+                        <a:rPr lang="en-TH" sz="1100" dirty="0">
+                          <a:latin typeface="Times New Roman" panose="02020603050405020304" pitchFamily="18" charset="0"/>
+                          <a:cs typeface="Times New Roman" panose="02020603050405020304" pitchFamily="18" charset="0"/>
+                        </a:rPr>
+                        <a:t>0.497</a:t>
+                      </a:r>
+                    </a:p>
+                  </a:txBody>
+                  <a:tcPr anchor="ctr"/>
+                </a:tc>
+                <a:tc>
+                  <a:txBody>
+                    <a:bodyPr/>
+                    <a:lstStyle/>
+                    <a:p>
+                      <a:pPr algn="ctr"/>
+                      <a:r>
+                        <a:rPr lang="en-TH" sz="1100" dirty="0">
+                          <a:latin typeface="Times New Roman" panose="02020603050405020304" pitchFamily="18" charset="0"/>
+                          <a:cs typeface="Times New Roman" panose="02020603050405020304" pitchFamily="18" charset="0"/>
+                        </a:rPr>
+                        <a:t>0.454</a:t>
+                      </a:r>
+                    </a:p>
+                  </a:txBody>
+                  <a:tcPr anchor="ctr"/>
+                </a:tc>
+                <a:tc>
+                  <a:txBody>
+                    <a:bodyPr/>
+                    <a:lstStyle/>
+                    <a:p>
+                      <a:pPr algn="ctr"/>
+                      <a:r>
+                        <a:rPr lang="en-TH" sz="1100" dirty="0">
+                          <a:latin typeface="Times New Roman" panose="02020603050405020304" pitchFamily="18" charset="0"/>
+                          <a:cs typeface="Times New Roman" panose="02020603050405020304" pitchFamily="18" charset="0"/>
+                        </a:rPr>
+                        <a:t>0.453</a:t>
+                      </a:r>
+                    </a:p>
+                  </a:txBody>
+                  <a:tcPr anchor="ctr"/>
+                </a:tc>
+                <a:tc>
+                  <a:txBody>
+                    <a:bodyPr/>
+                    <a:lstStyle/>
+                    <a:p>
+                      <a:pPr algn="ctr"/>
+                      <a:r>
+                        <a:rPr lang="en-TH" sz="1100" dirty="0">
+                          <a:latin typeface="Times New Roman" panose="02020603050405020304" pitchFamily="18" charset="0"/>
+                          <a:cs typeface="Times New Roman" panose="02020603050405020304" pitchFamily="18" charset="0"/>
+                        </a:rPr>
+                        <a:t>0.904</a:t>
+                      </a:r>
+                    </a:p>
+                  </a:txBody>
+                  <a:tcPr anchor="ctr"/>
+                </a:tc>
+                <a:tc>
+                  <a:txBody>
+                    <a:bodyPr/>
+                    <a:lstStyle/>
+                    <a:p>
+                      <a:pPr marL="0" marR="0" lvl="0" indent="0" algn="ctr" defTabSz="914400" rtl="0" eaLnBrk="1" fontAlgn="auto" latinLnBrk="0" hangingPunct="1">
+                        <a:lnSpc>
+                          <a:spcPct val="100000"/>
+                        </a:lnSpc>
+                        <a:spcBef>
+                          <a:spcPts val="0"/>
+                        </a:spcBef>
+                        <a:spcAft>
+                          <a:spcPts val="0"/>
+                        </a:spcAft>
+                        <a:buClrTx/>
+                        <a:buSzTx/>
+                        <a:buFontTx/>
+                        <a:buNone/>
+                        <a:tabLst/>
+                        <a:defRPr/>
+                      </a:pPr>
+                      <a:r>
+                        <a:rPr lang="en-TH" sz="1100" dirty="0">
+                          <a:latin typeface="Times New Roman" panose="02020603050405020304" pitchFamily="18" charset="0"/>
+                          <a:cs typeface="Times New Roman" panose="02020603050405020304" pitchFamily="18" charset="0"/>
+                        </a:rPr>
+                        <a:t>0.904</a:t>
+                      </a:r>
+                    </a:p>
+                  </a:txBody>
+                  <a:tcPr anchor="ctr"/>
+                </a:tc>
+                <a:tc>
+                  <a:txBody>
+                    <a:bodyPr/>
+                    <a:lstStyle/>
+                    <a:p>
+                      <a:pPr marL="0" marR="0" lvl="0" indent="0" algn="ctr" defTabSz="914400" rtl="0" eaLnBrk="1" fontAlgn="auto" latinLnBrk="0" hangingPunct="1">
+                        <a:lnSpc>
+                          <a:spcPct val="100000"/>
+                        </a:lnSpc>
+                        <a:spcBef>
+                          <a:spcPts val="0"/>
+                        </a:spcBef>
+                        <a:spcAft>
+                          <a:spcPts val="0"/>
+                        </a:spcAft>
+                        <a:buClrTx/>
+                        <a:buSzTx/>
+                        <a:buFontTx/>
+                        <a:buNone/>
+                        <a:tabLst/>
+                        <a:defRPr/>
+                      </a:pPr>
+                      <a:r>
+                        <a:rPr lang="en-TH" sz="1100" dirty="0">
+                          <a:latin typeface="Times New Roman" panose="02020603050405020304" pitchFamily="18" charset="0"/>
+                          <a:cs typeface="Times New Roman" panose="02020603050405020304" pitchFamily="18" charset="0"/>
+                        </a:rPr>
+                        <a:t>0.904</a:t>
+                      </a:r>
+                    </a:p>
+                  </a:txBody>
+                  <a:tcPr anchor="ctr"/>
+                </a:tc>
+                <a:tc>
+                  <a:txBody>
+                    <a:bodyPr/>
+                    <a:lstStyle/>
+                    <a:p>
+                      <a:pPr algn="ctr"/>
+                      <a:r>
+                        <a:rPr lang="en-TH" sz="1100" dirty="0">
+                          <a:latin typeface="Times New Roman" panose="02020603050405020304" pitchFamily="18" charset="0"/>
+                          <a:cs typeface="Times New Roman" panose="02020603050405020304" pitchFamily="18" charset="0"/>
+                        </a:rPr>
+                        <a:t>388.24</a:t>
+                      </a:r>
+                    </a:p>
+                  </a:txBody>
+                  <a:tcPr anchor="ctr"/>
+                </a:tc>
+                <a:extLst>
+                  <a:ext uri="{0D108BD9-81ED-4DB2-BD59-A6C34878D82A}">
+                    <a16:rowId xmlns:a16="http://schemas.microsoft.com/office/drawing/2014/main" val="3153967809"/>
+                  </a:ext>
+                </a:extLst>
+              </a:tr>
+              <a:tr h="419773">
+                <a:tc>
+                  <a:txBody>
+                    <a:bodyPr/>
+                    <a:lstStyle/>
+                    <a:p>
+                      <a:pPr algn="ctr"/>
+                      <a:r>
+                        <a:rPr lang="en-TH" sz="1100" dirty="0">
+                          <a:latin typeface="Times New Roman" panose="02020603050405020304" pitchFamily="18" charset="0"/>
+                          <a:cs typeface="Times New Roman" panose="02020603050405020304" pitchFamily="18" charset="0"/>
+                        </a:rPr>
+                        <a:t>Batch size: 32</a:t>
+                      </a:r>
+                    </a:p>
+                    <a:p>
+                      <a:pPr algn="ctr"/>
+                      <a:r>
+                        <a:rPr lang="en-TH" sz="1100" dirty="0">
+                          <a:latin typeface="Times New Roman" panose="02020603050405020304" pitchFamily="18" charset="0"/>
+                          <a:cs typeface="Times New Roman" panose="02020603050405020304" pitchFamily="18" charset="0"/>
+                        </a:rPr>
+                        <a:t>Learning Rate: 1e-3</a:t>
+                      </a:r>
+                    </a:p>
+                  </a:txBody>
+                  <a:tcPr anchor="ctr"/>
+                </a:tc>
+                <a:tc>
+                  <a:txBody>
+                    <a:bodyPr/>
+                    <a:lstStyle/>
+                    <a:p>
+                      <a:pPr algn="ctr"/>
+                      <a:r>
+                        <a:rPr lang="en-TH" sz="1100" dirty="0">
+                          <a:latin typeface="Times New Roman" panose="02020603050405020304" pitchFamily="18" charset="0"/>
+                          <a:cs typeface="Times New Roman" panose="02020603050405020304" pitchFamily="18" charset="0"/>
+                        </a:rPr>
+                        <a:t>0.336</a:t>
+                      </a:r>
+                    </a:p>
+                  </a:txBody>
+                  <a:tcPr anchor="ctr"/>
+                </a:tc>
+                <a:tc>
+                  <a:txBody>
+                    <a:bodyPr/>
+                    <a:lstStyle/>
+                    <a:p>
+                      <a:pPr algn="ctr"/>
+                      <a:r>
+                        <a:rPr lang="en-TH" sz="1100" dirty="0">
+                          <a:latin typeface="Times New Roman" panose="02020603050405020304" pitchFamily="18" charset="0"/>
+                          <a:cs typeface="Times New Roman" panose="02020603050405020304" pitchFamily="18" charset="0"/>
+                        </a:rPr>
+                        <a:t>0.321</a:t>
+                      </a:r>
+                    </a:p>
+                  </a:txBody>
+                  <a:tcPr anchor="ctr"/>
+                </a:tc>
+                <a:tc>
+                  <a:txBody>
+                    <a:bodyPr/>
+                    <a:lstStyle/>
+                    <a:p>
+                      <a:pPr algn="ctr"/>
+                      <a:r>
+                        <a:rPr lang="en-TH" sz="1100" dirty="0">
+                          <a:latin typeface="Times New Roman" panose="02020603050405020304" pitchFamily="18" charset="0"/>
+                          <a:cs typeface="Times New Roman" panose="02020603050405020304" pitchFamily="18" charset="0"/>
+                        </a:rPr>
+                        <a:t>0.320</a:t>
+                      </a:r>
+                    </a:p>
+                  </a:txBody>
+                  <a:tcPr anchor="ctr"/>
+                </a:tc>
+                <a:tc>
+                  <a:txBody>
+                    <a:bodyPr/>
+                    <a:lstStyle/>
+                    <a:p>
+                      <a:pPr algn="ctr"/>
+                      <a:r>
+                        <a:rPr lang="en-TH" sz="1100" dirty="0">
+                          <a:latin typeface="Times New Roman" panose="02020603050405020304" pitchFamily="18" charset="0"/>
+                          <a:cs typeface="Times New Roman" panose="02020603050405020304" pitchFamily="18" charset="0"/>
+                        </a:rPr>
+                        <a:t>0.904</a:t>
+                      </a:r>
+                    </a:p>
+                  </a:txBody>
+                  <a:tcPr anchor="ctr"/>
+                </a:tc>
+                <a:tc>
+                  <a:txBody>
+                    <a:bodyPr/>
+                    <a:lstStyle/>
+                    <a:p>
+                      <a:pPr marL="0" marR="0" lvl="0" indent="0" algn="ctr" defTabSz="914400" rtl="0" eaLnBrk="1" fontAlgn="auto" latinLnBrk="0" hangingPunct="1">
+                        <a:lnSpc>
+                          <a:spcPct val="100000"/>
+                        </a:lnSpc>
+                        <a:spcBef>
+                          <a:spcPts val="0"/>
+                        </a:spcBef>
+                        <a:spcAft>
+                          <a:spcPts val="0"/>
+                        </a:spcAft>
+                        <a:buClrTx/>
+                        <a:buSzTx/>
+                        <a:buFontTx/>
+                        <a:buNone/>
+                        <a:tabLst/>
+                        <a:defRPr/>
+                      </a:pPr>
+                      <a:r>
+                        <a:rPr lang="en-TH" sz="1100" dirty="0">
+                          <a:latin typeface="Times New Roman" panose="02020603050405020304" pitchFamily="18" charset="0"/>
+                          <a:cs typeface="Times New Roman" panose="02020603050405020304" pitchFamily="18" charset="0"/>
+                        </a:rPr>
+                        <a:t>0.904</a:t>
+                      </a:r>
+                    </a:p>
+                  </a:txBody>
+                  <a:tcPr anchor="ctr"/>
+                </a:tc>
+                <a:tc>
+                  <a:txBody>
+                    <a:bodyPr/>
+                    <a:lstStyle/>
+                    <a:p>
+                      <a:pPr marL="0" marR="0" lvl="0" indent="0" algn="ctr" defTabSz="914400" rtl="0" eaLnBrk="1" fontAlgn="auto" latinLnBrk="0" hangingPunct="1">
+                        <a:lnSpc>
+                          <a:spcPct val="100000"/>
+                        </a:lnSpc>
+                        <a:spcBef>
+                          <a:spcPts val="0"/>
+                        </a:spcBef>
+                        <a:spcAft>
+                          <a:spcPts val="0"/>
+                        </a:spcAft>
+                        <a:buClrTx/>
+                        <a:buSzTx/>
+                        <a:buFontTx/>
+                        <a:buNone/>
+                        <a:tabLst/>
+                        <a:defRPr/>
+                      </a:pPr>
+                      <a:r>
+                        <a:rPr lang="en-TH" sz="1100" dirty="0">
+                          <a:latin typeface="Times New Roman" panose="02020603050405020304" pitchFamily="18" charset="0"/>
+                          <a:cs typeface="Times New Roman" panose="02020603050405020304" pitchFamily="18" charset="0"/>
+                        </a:rPr>
+                        <a:t>0.904</a:t>
+                      </a:r>
+                    </a:p>
+                  </a:txBody>
+                  <a:tcPr anchor="ctr"/>
+                </a:tc>
+                <a:tc>
+                  <a:txBody>
+                    <a:bodyPr/>
+                    <a:lstStyle/>
+                    <a:p>
+                      <a:pPr algn="ctr"/>
+                      <a:r>
+                        <a:rPr lang="en-TH" sz="1100" dirty="0">
+                          <a:latin typeface="Times New Roman" panose="02020603050405020304" pitchFamily="18" charset="0"/>
+                          <a:cs typeface="Times New Roman" panose="02020603050405020304" pitchFamily="18" charset="0"/>
+                        </a:rPr>
+                        <a:t>388.79</a:t>
+                      </a:r>
+                    </a:p>
+                  </a:txBody>
+                  <a:tcPr anchor="ctr"/>
+                </a:tc>
+                <a:extLst>
+                  <a:ext uri="{0D108BD9-81ED-4DB2-BD59-A6C34878D82A}">
+                    <a16:rowId xmlns:a16="http://schemas.microsoft.com/office/drawing/2014/main" val="3127762350"/>
+                  </a:ext>
+                </a:extLst>
+              </a:tr>
+              <a:tr h="419773">
+                <a:tc>
+                  <a:txBody>
+                    <a:bodyPr/>
+                    <a:lstStyle/>
+                    <a:p>
+                      <a:pPr algn="ctr"/>
+                      <a:r>
+                        <a:rPr lang="en-TH" sz="1100" dirty="0">
+                          <a:latin typeface="Times New Roman" panose="02020603050405020304" pitchFamily="18" charset="0"/>
+                          <a:cs typeface="Times New Roman" panose="02020603050405020304" pitchFamily="18" charset="0"/>
+                        </a:rPr>
+                        <a:t>Batch size: 32</a:t>
+                      </a:r>
+                    </a:p>
+                    <a:p>
+                      <a:pPr algn="ctr"/>
+                      <a:r>
+                        <a:rPr lang="en-TH" sz="1100" dirty="0">
+                          <a:latin typeface="Times New Roman" panose="02020603050405020304" pitchFamily="18" charset="0"/>
+                          <a:cs typeface="Times New Roman" panose="02020603050405020304" pitchFamily="18" charset="0"/>
+                        </a:rPr>
+                        <a:t>Learning Rate: 1e-4</a:t>
+                      </a:r>
+                    </a:p>
+                  </a:txBody>
+                  <a:tcPr anchor="ctr"/>
+                </a:tc>
+                <a:tc>
+                  <a:txBody>
+                    <a:bodyPr/>
+                    <a:lstStyle/>
+                    <a:p>
+                      <a:pPr algn="ctr"/>
+                      <a:r>
+                        <a:rPr lang="en-TH" sz="1100" dirty="0">
+                          <a:latin typeface="Times New Roman" panose="02020603050405020304" pitchFamily="18" charset="0"/>
+                          <a:cs typeface="Times New Roman" panose="02020603050405020304" pitchFamily="18" charset="0"/>
+                        </a:rPr>
+                        <a:t>0.184</a:t>
+                      </a:r>
+                    </a:p>
+                  </a:txBody>
+                  <a:tcPr anchor="ctr"/>
+                </a:tc>
+                <a:tc>
+                  <a:txBody>
+                    <a:bodyPr/>
+                    <a:lstStyle/>
+                    <a:p>
+                      <a:pPr algn="ctr"/>
+                      <a:r>
+                        <a:rPr lang="en-TH" sz="1100" dirty="0">
+                          <a:latin typeface="Times New Roman" panose="02020603050405020304" pitchFamily="18" charset="0"/>
+                          <a:cs typeface="Times New Roman" panose="02020603050405020304" pitchFamily="18" charset="0"/>
+                        </a:rPr>
+                        <a:t>0.105</a:t>
+                      </a:r>
+                    </a:p>
+                  </a:txBody>
+                  <a:tcPr anchor="ctr"/>
+                </a:tc>
+                <a:tc>
+                  <a:txBody>
+                    <a:bodyPr/>
+                    <a:lstStyle/>
+                    <a:p>
+                      <a:pPr algn="ctr"/>
+                      <a:r>
+                        <a:rPr lang="en-TH" sz="1100" dirty="0">
+                          <a:latin typeface="Times New Roman" panose="02020603050405020304" pitchFamily="18" charset="0"/>
+                          <a:cs typeface="Times New Roman" panose="02020603050405020304" pitchFamily="18" charset="0"/>
+                        </a:rPr>
+                        <a:t>0.108</a:t>
+                      </a:r>
+                    </a:p>
+                  </a:txBody>
+                  <a:tcPr anchor="ctr"/>
+                </a:tc>
+                <a:tc>
+                  <a:txBody>
+                    <a:bodyPr/>
+                    <a:lstStyle/>
+                    <a:p>
+                      <a:pPr algn="ctr"/>
+                      <a:r>
+                        <a:rPr lang="en-TH" sz="1100" dirty="0">
+                          <a:latin typeface="Times New Roman" panose="02020603050405020304" pitchFamily="18" charset="0"/>
+                          <a:cs typeface="Times New Roman" panose="02020603050405020304" pitchFamily="18" charset="0"/>
+                        </a:rPr>
+                        <a:t>0.944</a:t>
+                      </a:r>
+                    </a:p>
+                  </a:txBody>
+                  <a:tcPr anchor="ctr"/>
+                </a:tc>
+                <a:tc>
+                  <a:txBody>
+                    <a:bodyPr/>
+                    <a:lstStyle/>
+                    <a:p>
+                      <a:pPr marL="0" marR="0" lvl="0" indent="0" algn="ctr" defTabSz="914400" rtl="0" eaLnBrk="1" fontAlgn="auto" latinLnBrk="0" hangingPunct="1">
+                        <a:lnSpc>
+                          <a:spcPct val="100000"/>
+                        </a:lnSpc>
+                        <a:spcBef>
+                          <a:spcPts val="0"/>
+                        </a:spcBef>
+                        <a:spcAft>
+                          <a:spcPts val="0"/>
+                        </a:spcAft>
+                        <a:buClrTx/>
+                        <a:buSzTx/>
+                        <a:buFontTx/>
+                        <a:buNone/>
+                        <a:tabLst/>
+                        <a:defRPr/>
+                      </a:pPr>
+                      <a:r>
+                        <a:rPr lang="en-TH" sz="1100" dirty="0">
+                          <a:latin typeface="Times New Roman" panose="02020603050405020304" pitchFamily="18" charset="0"/>
+                          <a:cs typeface="Times New Roman" panose="02020603050405020304" pitchFamily="18" charset="0"/>
+                        </a:rPr>
+                        <a:t>0.970</a:t>
+                      </a:r>
+                    </a:p>
+                  </a:txBody>
+                  <a:tcPr anchor="ctr"/>
+                </a:tc>
+                <a:tc>
+                  <a:txBody>
+                    <a:bodyPr/>
+                    <a:lstStyle/>
+                    <a:p>
+                      <a:pPr marL="0" marR="0" lvl="0" indent="0" algn="ctr" defTabSz="914400" rtl="0" eaLnBrk="1" fontAlgn="auto" latinLnBrk="0" hangingPunct="1">
+                        <a:lnSpc>
+                          <a:spcPct val="100000"/>
+                        </a:lnSpc>
+                        <a:spcBef>
+                          <a:spcPts val="0"/>
+                        </a:spcBef>
+                        <a:spcAft>
+                          <a:spcPts val="0"/>
+                        </a:spcAft>
+                        <a:buClrTx/>
+                        <a:buSzTx/>
+                        <a:buFontTx/>
+                        <a:buNone/>
+                        <a:tabLst/>
+                        <a:defRPr/>
+                      </a:pPr>
+                      <a:r>
+                        <a:rPr lang="en-TH" sz="1100" dirty="0">
+                          <a:latin typeface="Times New Roman" panose="02020603050405020304" pitchFamily="18" charset="0"/>
+                          <a:cs typeface="Times New Roman" panose="02020603050405020304" pitchFamily="18" charset="0"/>
+                        </a:rPr>
+                        <a:t>0.942</a:t>
+                      </a:r>
+                    </a:p>
+                  </a:txBody>
+                  <a:tcPr anchor="ctr"/>
+                </a:tc>
+                <a:tc>
+                  <a:txBody>
+                    <a:bodyPr/>
+                    <a:lstStyle/>
+                    <a:p>
+                      <a:pPr algn="ctr"/>
+                      <a:r>
+                        <a:rPr lang="en-TH" sz="1100" dirty="0">
+                          <a:latin typeface="Times New Roman" panose="02020603050405020304" pitchFamily="18" charset="0"/>
+                          <a:cs typeface="Times New Roman" panose="02020603050405020304" pitchFamily="18" charset="0"/>
+                        </a:rPr>
+                        <a:t>389.06</a:t>
+                      </a:r>
+                    </a:p>
+                  </a:txBody>
+                  <a:tcPr anchor="ctr"/>
+                </a:tc>
+                <a:extLst>
+                  <a:ext uri="{0D108BD9-81ED-4DB2-BD59-A6C34878D82A}">
+                    <a16:rowId xmlns:a16="http://schemas.microsoft.com/office/drawing/2014/main" val="3970982537"/>
+                  </a:ext>
+                </a:extLst>
+              </a:tr>
+              <a:tr h="161319">
+                <a:tc>
+                  <a:txBody>
+                    <a:bodyPr/>
+                    <a:lstStyle/>
+                    <a:p>
+                      <a:pPr algn="ctr"/>
+                      <a:r>
+                        <a:rPr lang="en-TH" sz="1100" dirty="0">
+                          <a:latin typeface="Times New Roman" panose="02020603050405020304" pitchFamily="18" charset="0"/>
+                          <a:cs typeface="Times New Roman" panose="02020603050405020304" pitchFamily="18" charset="0"/>
+                        </a:rPr>
+                        <a:t>Batch size: 32</a:t>
+                      </a:r>
+                    </a:p>
+                    <a:p>
+                      <a:pPr algn="ctr"/>
+                      <a:r>
+                        <a:rPr lang="en-TH" sz="1100" dirty="0">
+                          <a:latin typeface="Times New Roman" panose="02020603050405020304" pitchFamily="18" charset="0"/>
+                          <a:cs typeface="Times New Roman" panose="02020603050405020304" pitchFamily="18" charset="0"/>
+                        </a:rPr>
+                        <a:t>Learning Rate: 1e-5</a:t>
+                      </a:r>
+                    </a:p>
+                  </a:txBody>
+                  <a:tcPr anchor="ctr"/>
+                </a:tc>
+                <a:tc>
+                  <a:txBody>
+                    <a:bodyPr/>
+                    <a:lstStyle/>
+                    <a:p>
+                      <a:pPr algn="ctr"/>
+                      <a:r>
+                        <a:rPr lang="en-TH" sz="1100" dirty="0">
+                          <a:latin typeface="Times New Roman" panose="02020603050405020304" pitchFamily="18" charset="0"/>
+                          <a:cs typeface="Times New Roman" panose="02020603050405020304" pitchFamily="18" charset="0"/>
+                        </a:rPr>
+                        <a:t>0.145</a:t>
+                      </a:r>
+                    </a:p>
+                  </a:txBody>
+                  <a:tcPr anchor="ctr"/>
+                </a:tc>
+                <a:tc>
+                  <a:txBody>
+                    <a:bodyPr/>
+                    <a:lstStyle/>
+                    <a:p>
+                      <a:pPr algn="ctr"/>
+                      <a:r>
+                        <a:rPr lang="en-TH" sz="1100" dirty="0">
+                          <a:latin typeface="Times New Roman" panose="02020603050405020304" pitchFamily="18" charset="0"/>
+                          <a:cs typeface="Times New Roman" panose="02020603050405020304" pitchFamily="18" charset="0"/>
+                        </a:rPr>
+                        <a:t>0.073</a:t>
+                      </a:r>
+                    </a:p>
+                  </a:txBody>
+                  <a:tcPr anchor="ctr"/>
+                </a:tc>
+                <a:tc>
+                  <a:txBody>
+                    <a:bodyPr/>
+                    <a:lstStyle/>
+                    <a:p>
+                      <a:pPr algn="ctr"/>
+                      <a:r>
+                        <a:rPr lang="en-TH" sz="1100" dirty="0">
+                          <a:latin typeface="Times New Roman" panose="02020603050405020304" pitchFamily="18" charset="0"/>
+                          <a:cs typeface="Times New Roman" panose="02020603050405020304" pitchFamily="18" charset="0"/>
+                        </a:rPr>
+                        <a:t>0.046</a:t>
+                      </a:r>
+                    </a:p>
+                  </a:txBody>
+                  <a:tcPr anchor="ctr"/>
+                </a:tc>
+                <a:tc>
+                  <a:txBody>
+                    <a:bodyPr/>
+                    <a:lstStyle/>
+                    <a:p>
+                      <a:pPr algn="ctr"/>
+                      <a:r>
+                        <a:rPr lang="en-TH" sz="1100" dirty="0">
+                          <a:latin typeface="Times New Roman" panose="02020603050405020304" pitchFamily="18" charset="0"/>
+                          <a:cs typeface="Times New Roman" panose="02020603050405020304" pitchFamily="18" charset="0"/>
+                        </a:rPr>
+                        <a:t>0.970</a:t>
+                      </a:r>
+                    </a:p>
+                  </a:txBody>
+                  <a:tcPr anchor="ctr"/>
+                </a:tc>
+                <a:tc>
+                  <a:txBody>
+                    <a:bodyPr/>
+                    <a:lstStyle/>
+                    <a:p>
+                      <a:pPr algn="ctr"/>
+                      <a:r>
+                        <a:rPr lang="en-TH" sz="1100" dirty="0">
+                          <a:latin typeface="Times New Roman" panose="02020603050405020304" pitchFamily="18" charset="0"/>
+                          <a:cs typeface="Times New Roman" panose="02020603050405020304" pitchFamily="18" charset="0"/>
+                        </a:rPr>
+                        <a:t>0.966</a:t>
+                      </a:r>
+                    </a:p>
+                  </a:txBody>
+                  <a:tcPr anchor="ctr"/>
+                </a:tc>
+                <a:tc>
+                  <a:txBody>
+                    <a:bodyPr/>
+                    <a:lstStyle/>
+                    <a:p>
+                      <a:pPr algn="ctr"/>
+                      <a:r>
+                        <a:rPr lang="en-TH" sz="1100" dirty="0">
+                          <a:latin typeface="Times New Roman" panose="02020603050405020304" pitchFamily="18" charset="0"/>
+                          <a:cs typeface="Times New Roman" panose="02020603050405020304" pitchFamily="18" charset="0"/>
+                        </a:rPr>
+                        <a:t>0.973</a:t>
+                      </a:r>
+                    </a:p>
+                  </a:txBody>
+                  <a:tcPr anchor="ctr"/>
+                </a:tc>
+                <a:tc>
+                  <a:txBody>
+                    <a:bodyPr/>
+                    <a:lstStyle/>
+                    <a:p>
+                      <a:pPr algn="ctr"/>
+                      <a:r>
+                        <a:rPr lang="en-TH" sz="1100" dirty="0">
+                          <a:latin typeface="Times New Roman" panose="02020603050405020304" pitchFamily="18" charset="0"/>
+                          <a:cs typeface="Times New Roman" panose="02020603050405020304" pitchFamily="18" charset="0"/>
+                        </a:rPr>
+                        <a:t>389.27</a:t>
+                      </a:r>
+                    </a:p>
+                  </a:txBody>
+                  <a:tcPr anchor="ctr"/>
+                </a:tc>
+                <a:extLst>
+                  <a:ext uri="{0D108BD9-81ED-4DB2-BD59-A6C34878D82A}">
+                    <a16:rowId xmlns:a16="http://schemas.microsoft.com/office/drawing/2014/main" val="3552246289"/>
+                  </a:ext>
+                </a:extLst>
+              </a:tr>
+              <a:tr h="0">
+                <a:tc>
+                  <a:txBody>
+                    <a:bodyPr/>
+                    <a:lstStyle/>
+                    <a:p>
+                      <a:pPr algn="ctr"/>
+                      <a:r>
+                        <a:rPr lang="en-TH" sz="1100" dirty="0">
+                          <a:latin typeface="Times New Roman" panose="02020603050405020304" pitchFamily="18" charset="0"/>
+                          <a:cs typeface="Times New Roman" panose="02020603050405020304" pitchFamily="18" charset="0"/>
+                        </a:rPr>
+                        <a:t>Batch size: 32</a:t>
+                      </a:r>
+                    </a:p>
+                    <a:p>
+                      <a:pPr algn="ctr"/>
+                      <a:r>
+                        <a:rPr lang="en-TH" sz="1100" dirty="0">
+                          <a:latin typeface="Times New Roman" panose="02020603050405020304" pitchFamily="18" charset="0"/>
+                          <a:cs typeface="Times New Roman" panose="02020603050405020304" pitchFamily="18" charset="0"/>
+                        </a:rPr>
+                        <a:t>Learning Rate: 1e-6</a:t>
+                      </a:r>
+                    </a:p>
+                  </a:txBody>
+                  <a:tcPr anchor="ctr"/>
+                </a:tc>
+                <a:tc>
+                  <a:txBody>
+                    <a:bodyPr/>
+                    <a:lstStyle/>
+                    <a:p>
+                      <a:pPr algn="ctr"/>
+                      <a:r>
+                        <a:rPr lang="en-TH" sz="1100" dirty="0">
+                          <a:latin typeface="Times New Roman" panose="02020603050405020304" pitchFamily="18" charset="0"/>
+                          <a:cs typeface="Times New Roman" panose="02020603050405020304" pitchFamily="18" charset="0"/>
+                        </a:rPr>
+                        <a:t>0.263</a:t>
+                      </a:r>
+                    </a:p>
+                  </a:txBody>
+                  <a:tcPr anchor="ctr"/>
+                </a:tc>
+                <a:tc>
+                  <a:txBody>
+                    <a:bodyPr/>
+                    <a:lstStyle/>
+                    <a:p>
+                      <a:pPr algn="ctr"/>
+                      <a:r>
+                        <a:rPr lang="en-TH" sz="1100" dirty="0">
+                          <a:latin typeface="Times New Roman" panose="02020603050405020304" pitchFamily="18" charset="0"/>
+                          <a:cs typeface="Times New Roman" panose="02020603050405020304" pitchFamily="18" charset="0"/>
+                        </a:rPr>
+                        <a:t>0.145</a:t>
+                      </a:r>
+                    </a:p>
+                  </a:txBody>
+                  <a:tcPr anchor="ctr"/>
+                </a:tc>
+                <a:tc>
+                  <a:txBody>
+                    <a:bodyPr/>
+                    <a:lstStyle/>
+                    <a:p>
+                      <a:pPr algn="ctr"/>
+                      <a:r>
+                        <a:rPr lang="en-TH" sz="1100" dirty="0">
+                          <a:latin typeface="Times New Roman" panose="02020603050405020304" pitchFamily="18" charset="0"/>
+                          <a:cs typeface="Times New Roman" panose="02020603050405020304" pitchFamily="18" charset="0"/>
+                        </a:rPr>
+                        <a:t>0.108</a:t>
+                      </a:r>
+                    </a:p>
+                  </a:txBody>
+                  <a:tcPr anchor="ctr"/>
+                </a:tc>
+                <a:tc>
+                  <a:txBody>
+                    <a:bodyPr/>
+                    <a:lstStyle/>
+                    <a:p>
+                      <a:pPr algn="ctr"/>
+                      <a:r>
+                        <a:rPr lang="en-TH" sz="1100" dirty="0">
+                          <a:latin typeface="Times New Roman" panose="02020603050405020304" pitchFamily="18" charset="0"/>
+                          <a:cs typeface="Times New Roman" panose="02020603050405020304" pitchFamily="18" charset="0"/>
+                        </a:rPr>
+                        <a:t>0.917</a:t>
+                      </a:r>
+                    </a:p>
+                  </a:txBody>
+                  <a:tcPr anchor="ctr"/>
+                </a:tc>
+                <a:tc>
+                  <a:txBody>
+                    <a:bodyPr/>
+                    <a:lstStyle/>
+                    <a:p>
+                      <a:pPr algn="ctr"/>
+                      <a:r>
+                        <a:rPr lang="en-TH" sz="1100" dirty="0">
+                          <a:latin typeface="Times New Roman" panose="02020603050405020304" pitchFamily="18" charset="0"/>
+                          <a:cs typeface="Times New Roman" panose="02020603050405020304" pitchFamily="18" charset="0"/>
+                        </a:rPr>
+                        <a:t>0.964</a:t>
+                      </a:r>
+                    </a:p>
+                  </a:txBody>
+                  <a:tcPr anchor="ctr"/>
+                </a:tc>
+                <a:tc>
+                  <a:txBody>
+                    <a:bodyPr/>
+                    <a:lstStyle/>
+                    <a:p>
+                      <a:pPr algn="ctr"/>
+                      <a:r>
+                        <a:rPr lang="en-TH" sz="1100" dirty="0">
+                          <a:latin typeface="Times New Roman" panose="02020603050405020304" pitchFamily="18" charset="0"/>
+                          <a:cs typeface="Times New Roman" panose="02020603050405020304" pitchFamily="18" charset="0"/>
+                        </a:rPr>
+                        <a:t>0.963</a:t>
+                      </a:r>
+                    </a:p>
+                  </a:txBody>
+                  <a:tcPr anchor="ctr"/>
+                </a:tc>
+                <a:tc>
+                  <a:txBody>
+                    <a:bodyPr/>
+                    <a:lstStyle/>
+                    <a:p>
+                      <a:pPr algn="ctr"/>
+                      <a:r>
+                        <a:rPr lang="en-TH" sz="1100" dirty="0">
+                          <a:latin typeface="Times New Roman" panose="02020603050405020304" pitchFamily="18" charset="0"/>
+                          <a:cs typeface="Times New Roman" panose="02020603050405020304" pitchFamily="18" charset="0"/>
+                        </a:rPr>
+                        <a:t>389.59</a:t>
+                      </a:r>
+                    </a:p>
+                  </a:txBody>
+                  <a:tcPr anchor="ctr"/>
+                </a:tc>
+                <a:extLst>
+                  <a:ext uri="{0D108BD9-81ED-4DB2-BD59-A6C34878D82A}">
+                    <a16:rowId xmlns:a16="http://schemas.microsoft.com/office/drawing/2014/main" val="2944426794"/>
+                  </a:ext>
+                </a:extLst>
+              </a:tr>
+            </a:tbl>
+          </a:graphicData>
+        </a:graphic>
+      </p:graphicFrame>
     </p:spTree>
     <p:extLst>
       <p:ext uri="{BB962C8B-B14F-4D97-AF65-F5344CB8AC3E}">

--- a/Project/Slides_Thanapoom.pptx
+++ b/Project/Slides_Thanapoom.pptx
@@ -213,7 +213,7 @@
           <a:p>
             <a:fld id="{0AB3A5D5-7DAE-1D46-B9EC-93B45D6D847B}" type="datetimeFigureOut">
               <a:rPr lang="en-TH" smtClean="0"/>
-              <a:t>8/12/2023 R</a:t>
+              <a:t>14/12/2023 R</a:t>
             </a:fld>
             <a:endParaRPr lang="en-TH"/>
           </a:p>
@@ -969,7 +969,7 @@
           <a:p>
             <a:fld id="{81B8F32D-D8B6-4B9E-9CBF-DCAC30B7B93D}" type="datetimeFigureOut">
               <a:rPr lang="en-US" smtClean="0"/>
-              <a:t>12/8/23</a:t>
+              <a:t>12/14/23</a:t>
             </a:fld>
             <a:endParaRPr lang="en-US"/>
           </a:p>
@@ -1285,7 +1285,7 @@
           <a:p>
             <a:fld id="{81B8F32D-D8B6-4B9E-9CBF-DCAC30B7B93D}" type="datetimeFigureOut">
               <a:rPr lang="en-US" smtClean="0"/>
-              <a:t>12/8/23</a:t>
+              <a:t>12/14/23</a:t>
             </a:fld>
             <a:endParaRPr lang="en-US"/>
           </a:p>
@@ -1590,7 +1590,7 @@
           <a:p>
             <a:fld id="{81B8F32D-D8B6-4B9E-9CBF-DCAC30B7B93D}" type="datetimeFigureOut">
               <a:rPr lang="en-US" smtClean="0"/>
-              <a:t>12/8/23</a:t>
+              <a:t>12/14/23</a:t>
             </a:fld>
             <a:endParaRPr lang="en-US"/>
           </a:p>
@@ -1797,7 +1797,7 @@
           <a:p>
             <a:fld id="{81B8F32D-D8B6-4B9E-9CBF-DCAC30B7B93D}" type="datetimeFigureOut">
               <a:rPr lang="en-US" smtClean="0"/>
-              <a:t>12/8/23</a:t>
+              <a:t>12/14/23</a:t>
             </a:fld>
             <a:endParaRPr lang="en-US"/>
           </a:p>
@@ -2145,7 +2145,7 @@
           <a:p>
             <a:fld id="{81B8F32D-D8B6-4B9E-9CBF-DCAC30B7B93D}" type="datetimeFigureOut">
               <a:rPr lang="en-US" smtClean="0"/>
-              <a:t>12/8/23</a:t>
+              <a:t>12/14/23</a:t>
             </a:fld>
             <a:endParaRPr lang="en-US"/>
           </a:p>
@@ -2616,7 +2616,7 @@
           <a:p>
             <a:fld id="{81B8F32D-D8B6-4B9E-9CBF-DCAC30B7B93D}" type="datetimeFigureOut">
               <a:rPr lang="en-US" smtClean="0"/>
-              <a:t>12/8/23</a:t>
+              <a:t>12/14/23</a:t>
             </a:fld>
             <a:endParaRPr lang="en-US"/>
           </a:p>
@@ -3151,7 +3151,7 @@
           <a:p>
             <a:fld id="{81B8F32D-D8B6-4B9E-9CBF-DCAC30B7B93D}" type="datetimeFigureOut">
               <a:rPr lang="en-US" smtClean="0"/>
-              <a:t>12/8/23</a:t>
+              <a:t>12/14/23</a:t>
             </a:fld>
             <a:endParaRPr lang="en-US"/>
           </a:p>
@@ -3368,7 +3368,7 @@
           <a:p>
             <a:fld id="{81B8F32D-D8B6-4B9E-9CBF-DCAC30B7B93D}" type="datetimeFigureOut">
               <a:rPr lang="en-US" smtClean="0"/>
-              <a:t>12/8/23</a:t>
+              <a:t>12/14/23</a:t>
             </a:fld>
             <a:endParaRPr lang="en-US"/>
           </a:p>
@@ -3573,7 +3573,7 @@
           <a:p>
             <a:fld id="{81B8F32D-D8B6-4B9E-9CBF-DCAC30B7B93D}" type="datetimeFigureOut">
               <a:rPr lang="en-US" smtClean="0"/>
-              <a:t>12/8/23</a:t>
+              <a:t>12/14/23</a:t>
             </a:fld>
             <a:endParaRPr lang="en-US"/>
           </a:p>
@@ -3903,7 +3903,7 @@
           <a:p>
             <a:fld id="{81B8F32D-D8B6-4B9E-9CBF-DCAC30B7B93D}" type="datetimeFigureOut">
               <a:rPr lang="en-US" smtClean="0"/>
-              <a:t>12/8/23</a:t>
+              <a:t>12/14/23</a:t>
             </a:fld>
             <a:endParaRPr lang="en-US"/>
           </a:p>
@@ -4213,7 +4213,7 @@
           <a:p>
             <a:fld id="{81B8F32D-D8B6-4B9E-9CBF-DCAC30B7B93D}" type="datetimeFigureOut">
               <a:rPr lang="en-US" smtClean="0"/>
-              <a:t>12/8/23</a:t>
+              <a:t>12/14/23</a:t>
             </a:fld>
             <a:endParaRPr lang="en-US"/>
           </a:p>
@@ -4454,7 +4454,7 @@
             <a:fld id="{81B8F32D-D8B6-4B9E-9CBF-DCAC30B7B93D}" type="datetimeFigureOut">
               <a:rPr lang="en-US" smtClean="0"/>
               <a:pPr/>
-              <a:t>12/8/23</a:t>
+              <a:t>12/14/23</a:t>
             </a:fld>
             <a:endParaRPr lang="en-US" dirty="0"/>
           </a:p>
@@ -18326,2001 +18326,6 @@
           </a:p>
         </p:txBody>
       </p:sp>
-      <p:graphicFrame>
-        <p:nvGraphicFramePr>
-          <p:cNvPr id="74" name="Table 73">
-            <a:extLst>
-              <a:ext uri="{FF2B5EF4-FFF2-40B4-BE49-F238E27FC236}">
-                <a16:creationId xmlns:a16="http://schemas.microsoft.com/office/drawing/2014/main" id="{6465F08E-5CC8-77EE-44F3-80BE7D406C6E}"/>
-              </a:ext>
-            </a:extLst>
-          </p:cNvPr>
-          <p:cNvGraphicFramePr>
-            <a:graphicFrameLocks noGrp="1"/>
-          </p:cNvGraphicFramePr>
-          <p:nvPr>
-            <p:extLst>
-              <p:ext uri="{D42A27DB-BD31-4B8C-83A1-F6EECF244321}">
-                <p14:modId xmlns:p14="http://schemas.microsoft.com/office/powerpoint/2010/main" val="3007001893"/>
-              </p:ext>
-            </p:extLst>
-          </p:nvPr>
-        </p:nvGraphicFramePr>
-        <p:xfrm>
-          <a:off x="-71319" y="2204846"/>
-          <a:ext cx="8758395" cy="4794674"/>
-        </p:xfrm>
-        <a:graphic>
-          <a:graphicData uri="http://schemas.openxmlformats.org/drawingml/2006/table">
-            <a:tbl>
-              <a:tblPr firstRow="1" bandRow="1">
-                <a:tableStyleId>{7DF18680-E054-41AD-8BC1-D1AEF772440D}</a:tableStyleId>
-              </a:tblPr>
-              <a:tblGrid>
-                <a:gridCol w="1508704">
-                  <a:extLst>
-                    <a:ext uri="{9D8B030D-6E8A-4147-A177-3AD203B41FA5}">
-                      <a16:colId xmlns:a16="http://schemas.microsoft.com/office/drawing/2014/main" val="390867045"/>
-                    </a:ext>
-                  </a:extLst>
-                </a:gridCol>
-                <a:gridCol w="1047645">
-                  <a:extLst>
-                    <a:ext uri="{9D8B030D-6E8A-4147-A177-3AD203B41FA5}">
-                      <a16:colId xmlns:a16="http://schemas.microsoft.com/office/drawing/2014/main" val="923432283"/>
-                    </a:ext>
-                  </a:extLst>
-                </a:gridCol>
-                <a:gridCol w="1007136">
-                  <a:extLst>
-                    <a:ext uri="{9D8B030D-6E8A-4147-A177-3AD203B41FA5}">
-                      <a16:colId xmlns:a16="http://schemas.microsoft.com/office/drawing/2014/main" val="1074034515"/>
-                    </a:ext>
-                  </a:extLst>
-                </a:gridCol>
-                <a:gridCol w="1007136">
-                  <a:extLst>
-                    <a:ext uri="{9D8B030D-6E8A-4147-A177-3AD203B41FA5}">
-                      <a16:colId xmlns:a16="http://schemas.microsoft.com/office/drawing/2014/main" val="2845790512"/>
-                    </a:ext>
-                  </a:extLst>
-                </a:gridCol>
-                <a:gridCol w="990426">
-                  <a:extLst>
-                    <a:ext uri="{9D8B030D-6E8A-4147-A177-3AD203B41FA5}">
-                      <a16:colId xmlns:a16="http://schemas.microsoft.com/office/drawing/2014/main" val="1794403854"/>
-                    </a:ext>
-                  </a:extLst>
-                </a:gridCol>
-                <a:gridCol w="990426">
-                  <a:extLst>
-                    <a:ext uri="{9D8B030D-6E8A-4147-A177-3AD203B41FA5}">
-                      <a16:colId xmlns:a16="http://schemas.microsoft.com/office/drawing/2014/main" val="1154760174"/>
-                    </a:ext>
-                  </a:extLst>
-                </a:gridCol>
-                <a:gridCol w="990426">
-                  <a:extLst>
-                    <a:ext uri="{9D8B030D-6E8A-4147-A177-3AD203B41FA5}">
-                      <a16:colId xmlns:a16="http://schemas.microsoft.com/office/drawing/2014/main" val="3297583313"/>
-                    </a:ext>
-                  </a:extLst>
-                </a:gridCol>
-                <a:gridCol w="1216496">
-                  <a:extLst>
-                    <a:ext uri="{9D8B030D-6E8A-4147-A177-3AD203B41FA5}">
-                      <a16:colId xmlns:a16="http://schemas.microsoft.com/office/drawing/2014/main" val="3006281740"/>
-                    </a:ext>
-                  </a:extLst>
-                </a:gridCol>
-              </a:tblGrid>
-              <a:tr h="254862">
-                <a:tc rowSpan="2">
-                  <a:txBody>
-                    <a:bodyPr/>
-                    <a:lstStyle/>
-                    <a:p>
-                      <a:pPr algn="ctr"/>
-                      <a:r>
-                        <a:rPr lang="en-TH" sz="1100" b="1" dirty="0">
-                          <a:solidFill>
-                            <a:schemeClr val="tx1"/>
-                          </a:solidFill>
-                          <a:latin typeface="Times New Roman" panose="02020603050405020304" pitchFamily="18" charset="0"/>
-                          <a:cs typeface="Times New Roman" panose="02020603050405020304" pitchFamily="18" charset="0"/>
-                        </a:rPr>
-                        <a:t>Setting</a:t>
-                      </a:r>
-                    </a:p>
-                  </a:txBody>
-                  <a:tcPr anchor="ctr"/>
-                </a:tc>
-                <a:tc gridSpan="3">
-                  <a:txBody>
-                    <a:bodyPr/>
-                    <a:lstStyle/>
-                    <a:p>
-                      <a:pPr algn="ctr"/>
-                      <a:r>
-                        <a:rPr lang="en-TH" sz="1100" b="1" dirty="0">
-                          <a:solidFill>
-                            <a:schemeClr val="tx1"/>
-                          </a:solidFill>
-                          <a:latin typeface="Times New Roman" panose="02020603050405020304" pitchFamily="18" charset="0"/>
-                          <a:cs typeface="Times New Roman" panose="02020603050405020304" pitchFamily="18" charset="0"/>
-                        </a:rPr>
-                        <a:t>Training loss</a:t>
-                      </a:r>
-                    </a:p>
-                  </a:txBody>
-                  <a:tcPr anchor="ctr"/>
-                </a:tc>
-                <a:tc hMerge="1">
-                  <a:txBody>
-                    <a:bodyPr/>
-                    <a:lstStyle/>
-                    <a:p>
-                      <a:pPr algn="ctr"/>
-                      <a:endParaRPr lang="en-TH" sz="1100" dirty="0"/>
-                    </a:p>
-                  </a:txBody>
-                  <a:tcPr/>
-                </a:tc>
-                <a:tc hMerge="1">
-                  <a:txBody>
-                    <a:bodyPr/>
-                    <a:lstStyle/>
-                    <a:p>
-                      <a:pPr algn="ctr"/>
-                      <a:endParaRPr lang="en-TH" sz="1100" dirty="0"/>
-                    </a:p>
-                  </a:txBody>
-                  <a:tcPr/>
-                </a:tc>
-                <a:tc gridSpan="3">
-                  <a:txBody>
-                    <a:bodyPr/>
-                    <a:lstStyle/>
-                    <a:p>
-                      <a:pPr algn="ctr"/>
-                      <a:r>
-                        <a:rPr lang="en-TH" sz="1100" b="1" dirty="0">
-                          <a:solidFill>
-                            <a:schemeClr val="tx1"/>
-                          </a:solidFill>
-                          <a:latin typeface="Times New Roman" panose="02020603050405020304" pitchFamily="18" charset="0"/>
-                          <a:cs typeface="Times New Roman" panose="02020603050405020304" pitchFamily="18" charset="0"/>
-                        </a:rPr>
-                        <a:t>Validation accuracy</a:t>
-                      </a:r>
-                    </a:p>
-                  </a:txBody>
-                  <a:tcPr anchor="ctr"/>
-                </a:tc>
-                <a:tc hMerge="1">
-                  <a:txBody>
-                    <a:bodyPr/>
-                    <a:lstStyle/>
-                    <a:p>
-                      <a:pPr algn="ctr"/>
-                      <a:endParaRPr lang="en-TH" sz="1100" dirty="0"/>
-                    </a:p>
-                  </a:txBody>
-                  <a:tcPr/>
-                </a:tc>
-                <a:tc hMerge="1">
-                  <a:txBody>
-                    <a:bodyPr/>
-                    <a:lstStyle/>
-                    <a:p>
-                      <a:pPr algn="ctr"/>
-                      <a:endParaRPr lang="en-TH" sz="1100" dirty="0"/>
-                    </a:p>
-                  </a:txBody>
-                  <a:tcPr/>
-                </a:tc>
-                <a:tc rowSpan="2">
-                  <a:txBody>
-                    <a:bodyPr/>
-                    <a:lstStyle/>
-                    <a:p>
-                      <a:pPr algn="ctr"/>
-                      <a:r>
-                        <a:rPr lang="en-TH" sz="1100" b="1" dirty="0">
-                          <a:solidFill>
-                            <a:schemeClr val="tx1"/>
-                          </a:solidFill>
-                          <a:latin typeface="Times New Roman" panose="02020603050405020304" pitchFamily="18" charset="0"/>
-                          <a:cs typeface="Times New Roman" panose="02020603050405020304" pitchFamily="18" charset="0"/>
-                        </a:rPr>
-                        <a:t>Training time</a:t>
-                      </a:r>
-                    </a:p>
-                    <a:p>
-                      <a:pPr algn="ctr"/>
-                      <a:r>
-                        <a:rPr lang="en-TH" sz="1100" b="1" dirty="0">
-                          <a:solidFill>
-                            <a:schemeClr val="tx1"/>
-                          </a:solidFill>
-                          <a:latin typeface="Times New Roman" panose="02020603050405020304" pitchFamily="18" charset="0"/>
-                          <a:cs typeface="Times New Roman" panose="02020603050405020304" pitchFamily="18" charset="0"/>
-                        </a:rPr>
-                        <a:t>(seconds)</a:t>
-                      </a:r>
-                    </a:p>
-                  </a:txBody>
-                  <a:tcPr anchor="ctr"/>
-                </a:tc>
-                <a:extLst>
-                  <a:ext uri="{0D108BD9-81ED-4DB2-BD59-A6C34878D82A}">
-                    <a16:rowId xmlns:a16="http://schemas.microsoft.com/office/drawing/2014/main" val="3445058626"/>
-                  </a:ext>
-                </a:extLst>
-              </a:tr>
-              <a:tr h="268394">
-                <a:tc vMerge="1">
-                  <a:txBody>
-                    <a:bodyPr/>
-                    <a:lstStyle/>
-                    <a:p>
-                      <a:pPr algn="ctr"/>
-                      <a:endParaRPr lang="en-TH" sz="1100" dirty="0"/>
-                    </a:p>
-                  </a:txBody>
-                  <a:tcPr/>
-                </a:tc>
-                <a:tc>
-                  <a:txBody>
-                    <a:bodyPr/>
-                    <a:lstStyle/>
-                    <a:p>
-                      <a:pPr algn="ctr"/>
-                      <a:r>
-                        <a:rPr lang="en-TH" sz="1100" b="1" dirty="0">
-                          <a:solidFill>
-                            <a:schemeClr val="tx1"/>
-                          </a:solidFill>
-                          <a:latin typeface="Times New Roman" panose="02020603050405020304" pitchFamily="18" charset="0"/>
-                          <a:cs typeface="Times New Roman" panose="02020603050405020304" pitchFamily="18" charset="0"/>
-                        </a:rPr>
-                        <a:t>Epoch 1</a:t>
-                      </a:r>
-                    </a:p>
-                  </a:txBody>
-                  <a:tcPr anchor="ctr"/>
-                </a:tc>
-                <a:tc>
-                  <a:txBody>
-                    <a:bodyPr/>
-                    <a:lstStyle/>
-                    <a:p>
-                      <a:pPr algn="ctr"/>
-                      <a:r>
-                        <a:rPr lang="en-TH" sz="1100" b="1" dirty="0">
-                          <a:solidFill>
-                            <a:schemeClr val="tx1"/>
-                          </a:solidFill>
-                          <a:latin typeface="Times New Roman" panose="02020603050405020304" pitchFamily="18" charset="0"/>
-                          <a:cs typeface="Times New Roman" panose="02020603050405020304" pitchFamily="18" charset="0"/>
-                        </a:rPr>
-                        <a:t>Epoch 2</a:t>
-                      </a:r>
-                    </a:p>
-                  </a:txBody>
-                  <a:tcPr anchor="ctr"/>
-                </a:tc>
-                <a:tc>
-                  <a:txBody>
-                    <a:bodyPr/>
-                    <a:lstStyle/>
-                    <a:p>
-                      <a:pPr algn="ctr"/>
-                      <a:r>
-                        <a:rPr lang="en-TH" sz="1100" b="1" dirty="0">
-                          <a:solidFill>
-                            <a:schemeClr val="tx1"/>
-                          </a:solidFill>
-                          <a:latin typeface="Times New Roman" panose="02020603050405020304" pitchFamily="18" charset="0"/>
-                          <a:cs typeface="Times New Roman" panose="02020603050405020304" pitchFamily="18" charset="0"/>
-                        </a:rPr>
-                        <a:t>Epoch 3</a:t>
-                      </a:r>
-                    </a:p>
-                  </a:txBody>
-                  <a:tcPr anchor="ctr"/>
-                </a:tc>
-                <a:tc>
-                  <a:txBody>
-                    <a:bodyPr/>
-                    <a:lstStyle/>
-                    <a:p>
-                      <a:pPr algn="ctr"/>
-                      <a:r>
-                        <a:rPr lang="en-TH" sz="1100" b="1" dirty="0">
-                          <a:solidFill>
-                            <a:schemeClr val="tx1"/>
-                          </a:solidFill>
-                          <a:latin typeface="Times New Roman" panose="02020603050405020304" pitchFamily="18" charset="0"/>
-                          <a:cs typeface="Times New Roman" panose="02020603050405020304" pitchFamily="18" charset="0"/>
-                        </a:rPr>
-                        <a:t>E</a:t>
-                      </a:r>
-                      <a:r>
-                        <a:rPr lang="en-US" sz="1100" b="1" dirty="0">
-                          <a:solidFill>
-                            <a:schemeClr val="tx1"/>
-                          </a:solidFill>
-                          <a:latin typeface="Times New Roman" panose="02020603050405020304" pitchFamily="18" charset="0"/>
-                          <a:cs typeface="Times New Roman" panose="02020603050405020304" pitchFamily="18" charset="0"/>
-                        </a:rPr>
-                        <a:t>p</a:t>
-                      </a:r>
-                      <a:r>
-                        <a:rPr lang="en-TH" sz="1100" b="1" dirty="0">
-                          <a:solidFill>
-                            <a:schemeClr val="tx1"/>
-                          </a:solidFill>
-                          <a:latin typeface="Times New Roman" panose="02020603050405020304" pitchFamily="18" charset="0"/>
-                          <a:cs typeface="Times New Roman" panose="02020603050405020304" pitchFamily="18" charset="0"/>
-                        </a:rPr>
-                        <a:t>och 1</a:t>
-                      </a:r>
-                    </a:p>
-                  </a:txBody>
-                  <a:tcPr anchor="ctr"/>
-                </a:tc>
-                <a:tc>
-                  <a:txBody>
-                    <a:bodyPr/>
-                    <a:lstStyle/>
-                    <a:p>
-                      <a:pPr algn="ctr"/>
-                      <a:r>
-                        <a:rPr lang="en-TH" sz="1100" b="1" dirty="0">
-                          <a:solidFill>
-                            <a:schemeClr val="tx1"/>
-                          </a:solidFill>
-                          <a:latin typeface="Times New Roman" panose="02020603050405020304" pitchFamily="18" charset="0"/>
-                          <a:cs typeface="Times New Roman" panose="02020603050405020304" pitchFamily="18" charset="0"/>
-                        </a:rPr>
-                        <a:t>Epoch 2</a:t>
-                      </a:r>
-                    </a:p>
-                  </a:txBody>
-                  <a:tcPr anchor="ctr"/>
-                </a:tc>
-                <a:tc>
-                  <a:txBody>
-                    <a:bodyPr/>
-                    <a:lstStyle/>
-                    <a:p>
-                      <a:pPr algn="ctr"/>
-                      <a:r>
-                        <a:rPr lang="en-TH" sz="1100" b="1" dirty="0">
-                          <a:solidFill>
-                            <a:schemeClr val="tx1"/>
-                          </a:solidFill>
-                          <a:latin typeface="Times New Roman" panose="02020603050405020304" pitchFamily="18" charset="0"/>
-                          <a:cs typeface="Times New Roman" panose="02020603050405020304" pitchFamily="18" charset="0"/>
-                        </a:rPr>
-                        <a:t>Epoch 3</a:t>
-                      </a:r>
-                    </a:p>
-                  </a:txBody>
-                  <a:tcPr anchor="ctr"/>
-                </a:tc>
-                <a:tc vMerge="1">
-                  <a:txBody>
-                    <a:bodyPr/>
-                    <a:lstStyle/>
-                    <a:p>
-                      <a:pPr algn="ctr"/>
-                      <a:endParaRPr lang="en-TH" sz="1100" dirty="0"/>
-                    </a:p>
-                  </a:txBody>
-                  <a:tcPr/>
-                </a:tc>
-                <a:extLst>
-                  <a:ext uri="{0D108BD9-81ED-4DB2-BD59-A6C34878D82A}">
-                    <a16:rowId xmlns:a16="http://schemas.microsoft.com/office/drawing/2014/main" val="3014684028"/>
-                  </a:ext>
-                </a:extLst>
-              </a:tr>
-              <a:tr h="419773">
-                <a:tc>
-                  <a:txBody>
-                    <a:bodyPr/>
-                    <a:lstStyle/>
-                    <a:p>
-                      <a:pPr algn="ctr"/>
-                      <a:r>
-                        <a:rPr lang="en-TH" sz="1100" dirty="0">
-                          <a:latin typeface="Times New Roman" panose="02020603050405020304" pitchFamily="18" charset="0"/>
-                          <a:cs typeface="Times New Roman" panose="02020603050405020304" pitchFamily="18" charset="0"/>
-                        </a:rPr>
-                        <a:t>Batch size: 16</a:t>
-                      </a:r>
-                    </a:p>
-                    <a:p>
-                      <a:pPr algn="ctr"/>
-                      <a:r>
-                        <a:rPr lang="en-TH" sz="1100" dirty="0">
-                          <a:latin typeface="Times New Roman" panose="02020603050405020304" pitchFamily="18" charset="0"/>
-                          <a:cs typeface="Times New Roman" panose="02020603050405020304" pitchFamily="18" charset="0"/>
-                        </a:rPr>
-                        <a:t>Learning Rate: 2e-5</a:t>
-                      </a:r>
-                    </a:p>
-                  </a:txBody>
-                  <a:tcPr anchor="ctr"/>
-                </a:tc>
-                <a:tc>
-                  <a:txBody>
-                    <a:bodyPr/>
-                    <a:lstStyle/>
-                    <a:p>
-                      <a:pPr algn="ctr"/>
-                      <a:r>
-                        <a:rPr lang="en-TH" sz="1100" dirty="0">
-                          <a:latin typeface="Times New Roman" panose="02020603050405020304" pitchFamily="18" charset="0"/>
-                          <a:cs typeface="Times New Roman" panose="02020603050405020304" pitchFamily="18" charset="0"/>
-                        </a:rPr>
-                        <a:t>0.120</a:t>
-                      </a:r>
-                    </a:p>
-                  </a:txBody>
-                  <a:tcPr anchor="ctr"/>
-                </a:tc>
-                <a:tc>
-                  <a:txBody>
-                    <a:bodyPr/>
-                    <a:lstStyle/>
-                    <a:p>
-                      <a:pPr algn="ctr"/>
-                      <a:r>
-                        <a:rPr lang="en-TH" sz="1100" dirty="0">
-                          <a:latin typeface="Times New Roman" panose="02020603050405020304" pitchFamily="18" charset="0"/>
-                          <a:cs typeface="Times New Roman" panose="02020603050405020304" pitchFamily="18" charset="0"/>
-                        </a:rPr>
-                        <a:t>0.063</a:t>
-                      </a:r>
-                    </a:p>
-                  </a:txBody>
-                  <a:tcPr anchor="ctr"/>
-                </a:tc>
-                <a:tc>
-                  <a:txBody>
-                    <a:bodyPr/>
-                    <a:lstStyle/>
-                    <a:p>
-                      <a:pPr algn="ctr"/>
-                      <a:r>
-                        <a:rPr lang="en-TH" sz="1100" dirty="0">
-                          <a:latin typeface="Times New Roman" panose="02020603050405020304" pitchFamily="18" charset="0"/>
-                          <a:cs typeface="Times New Roman" panose="02020603050405020304" pitchFamily="18" charset="0"/>
-                        </a:rPr>
-                        <a:t>0.038</a:t>
-                      </a:r>
-                    </a:p>
-                  </a:txBody>
-                  <a:tcPr anchor="ctr"/>
-                </a:tc>
-                <a:tc>
-                  <a:txBody>
-                    <a:bodyPr/>
-                    <a:lstStyle/>
-                    <a:p>
-                      <a:pPr algn="ctr"/>
-                      <a:r>
-                        <a:rPr lang="en-TH" sz="1100" dirty="0">
-                          <a:latin typeface="Times New Roman" panose="02020603050405020304" pitchFamily="18" charset="0"/>
-                          <a:cs typeface="Times New Roman" panose="02020603050405020304" pitchFamily="18" charset="0"/>
-                        </a:rPr>
-                        <a:t>0.969</a:t>
-                      </a:r>
-                    </a:p>
-                  </a:txBody>
-                  <a:tcPr anchor="ctr"/>
-                </a:tc>
-                <a:tc>
-                  <a:txBody>
-                    <a:bodyPr/>
-                    <a:lstStyle/>
-                    <a:p>
-                      <a:pPr algn="ctr"/>
-                      <a:r>
-                        <a:rPr lang="en-TH" sz="1100" dirty="0">
-                          <a:latin typeface="Times New Roman" panose="02020603050405020304" pitchFamily="18" charset="0"/>
-                          <a:cs typeface="Times New Roman" panose="02020603050405020304" pitchFamily="18" charset="0"/>
-                        </a:rPr>
-                        <a:t>0.962</a:t>
-                      </a:r>
-                    </a:p>
-                  </a:txBody>
-                  <a:tcPr anchor="ctr"/>
-                </a:tc>
-                <a:tc>
-                  <a:txBody>
-                    <a:bodyPr/>
-                    <a:lstStyle/>
-                    <a:p>
-                      <a:pPr algn="ctr"/>
-                      <a:r>
-                        <a:rPr lang="en-TH" sz="1100" dirty="0">
-                          <a:latin typeface="Times New Roman" panose="02020603050405020304" pitchFamily="18" charset="0"/>
-                          <a:cs typeface="Times New Roman" panose="02020603050405020304" pitchFamily="18" charset="0"/>
-                        </a:rPr>
-                        <a:t>0.969</a:t>
-                      </a:r>
-                    </a:p>
-                  </a:txBody>
-                  <a:tcPr anchor="ctr"/>
-                </a:tc>
-                <a:tc>
-                  <a:txBody>
-                    <a:bodyPr/>
-                    <a:lstStyle/>
-                    <a:p>
-                      <a:pPr algn="ctr"/>
-                      <a:r>
-                        <a:rPr lang="en-TH" sz="1100" dirty="0">
-                          <a:latin typeface="Times New Roman" panose="02020603050405020304" pitchFamily="18" charset="0"/>
-                          <a:cs typeface="Times New Roman" panose="02020603050405020304" pitchFamily="18" charset="0"/>
-                        </a:rPr>
-                        <a:t>424.46</a:t>
-                      </a:r>
-                    </a:p>
-                  </a:txBody>
-                  <a:tcPr anchor="ctr"/>
-                </a:tc>
-                <a:extLst>
-                  <a:ext uri="{0D108BD9-81ED-4DB2-BD59-A6C34878D82A}">
-                    <a16:rowId xmlns:a16="http://schemas.microsoft.com/office/drawing/2014/main" val="3641377191"/>
-                  </a:ext>
-                </a:extLst>
-              </a:tr>
-              <a:tr h="419773">
-                <a:tc>
-                  <a:txBody>
-                    <a:bodyPr/>
-                    <a:lstStyle/>
-                    <a:p>
-                      <a:pPr algn="ctr"/>
-                      <a:r>
-                        <a:rPr lang="en-TH" sz="1100" dirty="0">
-                          <a:latin typeface="Times New Roman" panose="02020603050405020304" pitchFamily="18" charset="0"/>
-                          <a:cs typeface="Times New Roman" panose="02020603050405020304" pitchFamily="18" charset="0"/>
-                        </a:rPr>
-                        <a:t>Batch size: 64</a:t>
-                      </a:r>
-                    </a:p>
-                    <a:p>
-                      <a:pPr algn="ctr"/>
-                      <a:r>
-                        <a:rPr lang="en-TH" sz="1100" dirty="0">
-                          <a:latin typeface="Times New Roman" panose="02020603050405020304" pitchFamily="18" charset="0"/>
-                          <a:cs typeface="Times New Roman" panose="02020603050405020304" pitchFamily="18" charset="0"/>
-                        </a:rPr>
-                        <a:t>Learning Rate: 2e-5</a:t>
-                      </a:r>
-                    </a:p>
-                  </a:txBody>
-                  <a:tcPr anchor="ctr"/>
-                </a:tc>
-                <a:tc>
-                  <a:txBody>
-                    <a:bodyPr/>
-                    <a:lstStyle/>
-                    <a:p>
-                      <a:pPr algn="ctr"/>
-                      <a:r>
-                        <a:rPr lang="en-TH" sz="1100" dirty="0">
-                          <a:latin typeface="Times New Roman" panose="02020603050405020304" pitchFamily="18" charset="0"/>
-                          <a:cs typeface="Times New Roman" panose="02020603050405020304" pitchFamily="18" charset="0"/>
-                        </a:rPr>
-                        <a:t>0.138</a:t>
-                      </a:r>
-                    </a:p>
-                  </a:txBody>
-                  <a:tcPr anchor="ctr"/>
-                </a:tc>
-                <a:tc>
-                  <a:txBody>
-                    <a:bodyPr/>
-                    <a:lstStyle/>
-                    <a:p>
-                      <a:pPr algn="ctr"/>
-                      <a:r>
-                        <a:rPr lang="en-TH" sz="1100" dirty="0">
-                          <a:latin typeface="Times New Roman" panose="02020603050405020304" pitchFamily="18" charset="0"/>
-                          <a:cs typeface="Times New Roman" panose="02020603050405020304" pitchFamily="18" charset="0"/>
-                        </a:rPr>
-                        <a:t>0.072</a:t>
-                      </a:r>
-                    </a:p>
-                  </a:txBody>
-                  <a:tcPr anchor="ctr"/>
-                </a:tc>
-                <a:tc>
-                  <a:txBody>
-                    <a:bodyPr/>
-                    <a:lstStyle/>
-                    <a:p>
-                      <a:pPr algn="ctr"/>
-                      <a:r>
-                        <a:rPr lang="en-TH" sz="1100" dirty="0">
-                          <a:latin typeface="Times New Roman" panose="02020603050405020304" pitchFamily="18" charset="0"/>
-                          <a:cs typeface="Times New Roman" panose="02020603050405020304" pitchFamily="18" charset="0"/>
-                        </a:rPr>
-                        <a:t>0.045</a:t>
-                      </a:r>
-                    </a:p>
-                  </a:txBody>
-                  <a:tcPr anchor="ctr"/>
-                </a:tc>
-                <a:tc>
-                  <a:txBody>
-                    <a:bodyPr/>
-                    <a:lstStyle/>
-                    <a:p>
-                      <a:pPr algn="ctr"/>
-                      <a:r>
-                        <a:rPr lang="en-TH" sz="1100" dirty="0">
-                          <a:latin typeface="Times New Roman" panose="02020603050405020304" pitchFamily="18" charset="0"/>
-                          <a:cs typeface="Times New Roman" panose="02020603050405020304" pitchFamily="18" charset="0"/>
-                        </a:rPr>
-                        <a:t>0.963</a:t>
-                      </a:r>
-                    </a:p>
-                  </a:txBody>
-                  <a:tcPr anchor="ctr"/>
-                </a:tc>
-                <a:tc>
-                  <a:txBody>
-                    <a:bodyPr/>
-                    <a:lstStyle/>
-                    <a:p>
-                      <a:pPr algn="ctr"/>
-                      <a:r>
-                        <a:rPr lang="en-TH" sz="1100" dirty="0">
-                          <a:latin typeface="Times New Roman" panose="02020603050405020304" pitchFamily="18" charset="0"/>
-                          <a:cs typeface="Times New Roman" panose="02020603050405020304" pitchFamily="18" charset="0"/>
-                        </a:rPr>
-                        <a:t>0.970</a:t>
-                      </a:r>
-                    </a:p>
-                  </a:txBody>
-                  <a:tcPr anchor="ctr"/>
-                </a:tc>
-                <a:tc>
-                  <a:txBody>
-                    <a:bodyPr/>
-                    <a:lstStyle/>
-                    <a:p>
-                      <a:pPr algn="ctr"/>
-                      <a:r>
-                        <a:rPr lang="en-TH" sz="1100" dirty="0">
-                          <a:latin typeface="Times New Roman" panose="02020603050405020304" pitchFamily="18" charset="0"/>
-                          <a:cs typeface="Times New Roman" panose="02020603050405020304" pitchFamily="18" charset="0"/>
-                        </a:rPr>
-                        <a:t>0.968</a:t>
-                      </a:r>
-                    </a:p>
-                  </a:txBody>
-                  <a:tcPr anchor="ctr"/>
-                </a:tc>
-                <a:tc>
-                  <a:txBody>
-                    <a:bodyPr/>
-                    <a:lstStyle/>
-                    <a:p>
-                      <a:pPr algn="ctr"/>
-                      <a:r>
-                        <a:rPr lang="en-TH" sz="1100" dirty="0">
-                          <a:latin typeface="Times New Roman" panose="02020603050405020304" pitchFamily="18" charset="0"/>
-                          <a:cs typeface="Times New Roman" panose="02020603050405020304" pitchFamily="18" charset="0"/>
-                        </a:rPr>
-                        <a:t>369.48</a:t>
-                      </a:r>
-                    </a:p>
-                  </a:txBody>
-                  <a:tcPr anchor="ctr"/>
-                </a:tc>
-                <a:extLst>
-                  <a:ext uri="{0D108BD9-81ED-4DB2-BD59-A6C34878D82A}">
-                    <a16:rowId xmlns:a16="http://schemas.microsoft.com/office/drawing/2014/main" val="2952865892"/>
-                  </a:ext>
-                </a:extLst>
-              </a:tr>
-              <a:tr h="419773">
-                <a:tc>
-                  <a:txBody>
-                    <a:bodyPr/>
-                    <a:lstStyle/>
-                    <a:p>
-                      <a:pPr algn="ctr"/>
-                      <a:r>
-                        <a:rPr lang="en-TH" sz="1100" dirty="0">
-                          <a:latin typeface="Times New Roman" panose="02020603050405020304" pitchFamily="18" charset="0"/>
-                          <a:cs typeface="Times New Roman" panose="02020603050405020304" pitchFamily="18" charset="0"/>
-                        </a:rPr>
-                        <a:t>Batch size: 128</a:t>
-                      </a:r>
-                    </a:p>
-                    <a:p>
-                      <a:pPr algn="ctr"/>
-                      <a:r>
-                        <a:rPr lang="en-TH" sz="1100" dirty="0">
-                          <a:latin typeface="Times New Roman" panose="02020603050405020304" pitchFamily="18" charset="0"/>
-                          <a:cs typeface="Times New Roman" panose="02020603050405020304" pitchFamily="18" charset="0"/>
-                        </a:rPr>
-                        <a:t>Learning Rate: 2e-5</a:t>
-                      </a:r>
-                    </a:p>
-                  </a:txBody>
-                  <a:tcPr anchor="ctr"/>
-                </a:tc>
-                <a:tc gridSpan="7">
-                  <a:txBody>
-                    <a:bodyPr/>
-                    <a:lstStyle/>
-                    <a:p>
-                      <a:pPr algn="ctr"/>
-                      <a:r>
-                        <a:rPr lang="en-TH" sz="1100" dirty="0">
-                          <a:latin typeface="Times New Roman" panose="02020603050405020304" pitchFamily="18" charset="0"/>
-                          <a:cs typeface="Times New Roman" panose="02020603050405020304" pitchFamily="18" charset="0"/>
-                        </a:rPr>
-                        <a:t>Error (Too much memory usage)</a:t>
-                      </a:r>
-                    </a:p>
-                  </a:txBody>
-                  <a:tcPr anchor="ctr"/>
-                </a:tc>
-                <a:tc hMerge="1">
-                  <a:txBody>
-                    <a:bodyPr/>
-                    <a:lstStyle/>
-                    <a:p>
-                      <a:pPr algn="ctr"/>
-                      <a:endParaRPr lang="en-TH" sz="1100" dirty="0"/>
-                    </a:p>
-                  </a:txBody>
-                  <a:tcPr/>
-                </a:tc>
-                <a:tc hMerge="1">
-                  <a:txBody>
-                    <a:bodyPr/>
-                    <a:lstStyle/>
-                    <a:p>
-                      <a:pPr algn="ctr"/>
-                      <a:endParaRPr lang="en-TH" sz="1100" dirty="0"/>
-                    </a:p>
-                  </a:txBody>
-                  <a:tcPr/>
-                </a:tc>
-                <a:tc hMerge="1">
-                  <a:txBody>
-                    <a:bodyPr/>
-                    <a:lstStyle/>
-                    <a:p>
-                      <a:pPr algn="ctr"/>
-                      <a:endParaRPr lang="en-TH" sz="1100" dirty="0"/>
-                    </a:p>
-                  </a:txBody>
-                  <a:tcPr/>
-                </a:tc>
-                <a:tc hMerge="1">
-                  <a:txBody>
-                    <a:bodyPr/>
-                    <a:lstStyle/>
-                    <a:p>
-                      <a:pPr algn="ctr"/>
-                      <a:endParaRPr lang="en-TH" sz="1100" dirty="0"/>
-                    </a:p>
-                  </a:txBody>
-                  <a:tcPr/>
-                </a:tc>
-                <a:tc hMerge="1">
-                  <a:txBody>
-                    <a:bodyPr/>
-                    <a:lstStyle/>
-                    <a:p>
-                      <a:pPr algn="ctr"/>
-                      <a:endParaRPr lang="en-TH" sz="1100" dirty="0"/>
-                    </a:p>
-                  </a:txBody>
-                  <a:tcPr/>
-                </a:tc>
-                <a:tc hMerge="1">
-                  <a:txBody>
-                    <a:bodyPr/>
-                    <a:lstStyle/>
-                    <a:p>
-                      <a:pPr algn="ctr"/>
-                      <a:endParaRPr lang="en-TH" sz="1100" dirty="0"/>
-                    </a:p>
-                  </a:txBody>
-                  <a:tcPr/>
-                </a:tc>
-                <a:extLst>
-                  <a:ext uri="{0D108BD9-81ED-4DB2-BD59-A6C34878D82A}">
-                    <a16:rowId xmlns:a16="http://schemas.microsoft.com/office/drawing/2014/main" val="3965171809"/>
-                  </a:ext>
-                </a:extLst>
-              </a:tr>
-              <a:tr h="419773">
-                <a:tc>
-                  <a:txBody>
-                    <a:bodyPr/>
-                    <a:lstStyle/>
-                    <a:p>
-                      <a:pPr algn="ctr"/>
-                      <a:r>
-                        <a:rPr lang="en-TH" sz="1100" b="1" dirty="0">
-                          <a:latin typeface="Times New Roman" panose="02020603050405020304" pitchFamily="18" charset="0"/>
-                          <a:cs typeface="Times New Roman" panose="02020603050405020304" pitchFamily="18" charset="0"/>
-                        </a:rPr>
-                        <a:t>Batch size: 32</a:t>
-                      </a:r>
-                    </a:p>
-                    <a:p>
-                      <a:pPr algn="ctr"/>
-                      <a:r>
-                        <a:rPr lang="en-TH" sz="1100" b="1" dirty="0">
-                          <a:latin typeface="Times New Roman" panose="02020603050405020304" pitchFamily="18" charset="0"/>
-                          <a:cs typeface="Times New Roman" panose="02020603050405020304" pitchFamily="18" charset="0"/>
-                        </a:rPr>
-                        <a:t>Learning Rate: 2e-5</a:t>
-                      </a:r>
-                    </a:p>
-                  </a:txBody>
-                  <a:tcPr anchor="ctr"/>
-                </a:tc>
-                <a:tc>
-                  <a:txBody>
-                    <a:bodyPr/>
-                    <a:lstStyle/>
-                    <a:p>
-                      <a:pPr algn="ctr"/>
-                      <a:r>
-                        <a:rPr lang="en-TH" sz="1100" b="1" dirty="0">
-                          <a:latin typeface="Times New Roman" panose="02020603050405020304" pitchFamily="18" charset="0"/>
-                          <a:cs typeface="Times New Roman" panose="02020603050405020304" pitchFamily="18" charset="0"/>
-                        </a:rPr>
-                        <a:t>0.156</a:t>
-                      </a:r>
-                    </a:p>
-                  </a:txBody>
-                  <a:tcPr anchor="ctr"/>
-                </a:tc>
-                <a:tc>
-                  <a:txBody>
-                    <a:bodyPr/>
-                    <a:lstStyle/>
-                    <a:p>
-                      <a:pPr algn="ctr"/>
-                      <a:r>
-                        <a:rPr lang="en-TH" sz="1100" b="1" dirty="0">
-                          <a:latin typeface="Times New Roman" panose="02020603050405020304" pitchFamily="18" charset="0"/>
-                          <a:cs typeface="Times New Roman" panose="02020603050405020304" pitchFamily="18" charset="0"/>
-                        </a:rPr>
-                        <a:t>0.077</a:t>
-                      </a:r>
-                    </a:p>
-                  </a:txBody>
-                  <a:tcPr anchor="ctr"/>
-                </a:tc>
-                <a:tc>
-                  <a:txBody>
-                    <a:bodyPr/>
-                    <a:lstStyle/>
-                    <a:p>
-                      <a:pPr algn="ctr"/>
-                      <a:r>
-                        <a:rPr lang="en-TH" sz="1100" b="1" dirty="0">
-                          <a:latin typeface="Times New Roman" panose="02020603050405020304" pitchFamily="18" charset="0"/>
-                          <a:cs typeface="Times New Roman" panose="02020603050405020304" pitchFamily="18" charset="0"/>
-                        </a:rPr>
-                        <a:t>0.045</a:t>
-                      </a:r>
-                    </a:p>
-                  </a:txBody>
-                  <a:tcPr anchor="ctr"/>
-                </a:tc>
-                <a:tc>
-                  <a:txBody>
-                    <a:bodyPr/>
-                    <a:lstStyle/>
-                    <a:p>
-                      <a:pPr algn="ctr"/>
-                      <a:r>
-                        <a:rPr lang="en-TH" sz="1100" b="1" dirty="0">
-                          <a:latin typeface="Times New Roman" panose="02020603050405020304" pitchFamily="18" charset="0"/>
-                          <a:cs typeface="Times New Roman" panose="02020603050405020304" pitchFamily="18" charset="0"/>
-                        </a:rPr>
-                        <a:t>0.972</a:t>
-                      </a:r>
-                    </a:p>
-                  </a:txBody>
-                  <a:tcPr anchor="ctr"/>
-                </a:tc>
-                <a:tc>
-                  <a:txBody>
-                    <a:bodyPr/>
-                    <a:lstStyle/>
-                    <a:p>
-                      <a:pPr algn="ctr"/>
-                      <a:r>
-                        <a:rPr lang="en-TH" sz="1100" b="1" dirty="0">
-                          <a:latin typeface="Times New Roman" panose="02020603050405020304" pitchFamily="18" charset="0"/>
-                          <a:cs typeface="Times New Roman" panose="02020603050405020304" pitchFamily="18" charset="0"/>
-                        </a:rPr>
-                        <a:t>0.972</a:t>
-                      </a:r>
-                    </a:p>
-                  </a:txBody>
-                  <a:tcPr anchor="ctr"/>
-                </a:tc>
-                <a:tc>
-                  <a:txBody>
-                    <a:bodyPr/>
-                    <a:lstStyle/>
-                    <a:p>
-                      <a:pPr algn="ctr"/>
-                      <a:r>
-                        <a:rPr lang="en-TH" sz="1100" b="1" dirty="0">
-                          <a:latin typeface="Times New Roman" panose="02020603050405020304" pitchFamily="18" charset="0"/>
-                          <a:cs typeface="Times New Roman" panose="02020603050405020304" pitchFamily="18" charset="0"/>
-                        </a:rPr>
-                        <a:t>0.971</a:t>
-                      </a:r>
-                    </a:p>
-                  </a:txBody>
-                  <a:tcPr anchor="ctr"/>
-                </a:tc>
-                <a:tc>
-                  <a:txBody>
-                    <a:bodyPr/>
-                    <a:lstStyle/>
-                    <a:p>
-                      <a:pPr algn="ctr"/>
-                      <a:r>
-                        <a:rPr lang="en-TH" sz="1100" b="1" dirty="0">
-                          <a:latin typeface="Times New Roman" panose="02020603050405020304" pitchFamily="18" charset="0"/>
-                          <a:cs typeface="Times New Roman" panose="02020603050405020304" pitchFamily="18" charset="0"/>
-                        </a:rPr>
-                        <a:t>388.22</a:t>
-                      </a:r>
-                    </a:p>
-                  </a:txBody>
-                  <a:tcPr anchor="ctr"/>
-                </a:tc>
-                <a:extLst>
-                  <a:ext uri="{0D108BD9-81ED-4DB2-BD59-A6C34878D82A}">
-                    <a16:rowId xmlns:a16="http://schemas.microsoft.com/office/drawing/2014/main" val="2968532399"/>
-                  </a:ext>
-                </a:extLst>
-              </a:tr>
-              <a:tr h="419773">
-                <a:tc>
-                  <a:txBody>
-                    <a:bodyPr/>
-                    <a:lstStyle/>
-                    <a:p>
-                      <a:pPr algn="ctr"/>
-                      <a:r>
-                        <a:rPr lang="en-TH" sz="1100" dirty="0">
-                          <a:latin typeface="Times New Roman" panose="02020603050405020304" pitchFamily="18" charset="0"/>
-                          <a:cs typeface="Times New Roman" panose="02020603050405020304" pitchFamily="18" charset="0"/>
-                        </a:rPr>
-                        <a:t>Batch size: 32</a:t>
-                      </a:r>
-                    </a:p>
-                    <a:p>
-                      <a:pPr algn="ctr"/>
-                      <a:r>
-                        <a:rPr lang="en-TH" sz="1100" dirty="0">
-                          <a:latin typeface="Times New Roman" panose="02020603050405020304" pitchFamily="18" charset="0"/>
-                          <a:cs typeface="Times New Roman" panose="02020603050405020304" pitchFamily="18" charset="0"/>
-                        </a:rPr>
-                        <a:t>Learning Rate: 5e-5</a:t>
-                      </a:r>
-                    </a:p>
-                  </a:txBody>
-                  <a:tcPr anchor="ctr"/>
-                </a:tc>
-                <a:tc>
-                  <a:txBody>
-                    <a:bodyPr/>
-                    <a:lstStyle/>
-                    <a:p>
-                      <a:pPr algn="ctr"/>
-                      <a:r>
-                        <a:rPr lang="en-TH" sz="1100" dirty="0">
-                          <a:latin typeface="Times New Roman" panose="02020603050405020304" pitchFamily="18" charset="0"/>
-                          <a:cs typeface="Times New Roman" panose="02020603050405020304" pitchFamily="18" charset="0"/>
-                        </a:rPr>
-                        <a:t>0.136</a:t>
-                      </a:r>
-                    </a:p>
-                  </a:txBody>
-                  <a:tcPr anchor="ctr"/>
-                </a:tc>
-                <a:tc>
-                  <a:txBody>
-                    <a:bodyPr/>
-                    <a:lstStyle/>
-                    <a:p>
-                      <a:pPr algn="ctr"/>
-                      <a:r>
-                        <a:rPr lang="en-TH" sz="1100" dirty="0">
-                          <a:latin typeface="Times New Roman" panose="02020603050405020304" pitchFamily="18" charset="0"/>
-                          <a:cs typeface="Times New Roman" panose="02020603050405020304" pitchFamily="18" charset="0"/>
-                        </a:rPr>
-                        <a:t>0.071</a:t>
-                      </a:r>
-                    </a:p>
-                  </a:txBody>
-                  <a:tcPr anchor="ctr"/>
-                </a:tc>
-                <a:tc>
-                  <a:txBody>
-                    <a:bodyPr/>
-                    <a:lstStyle/>
-                    <a:p>
-                      <a:pPr algn="ctr"/>
-                      <a:r>
-                        <a:rPr lang="en-TH" sz="1100" dirty="0">
-                          <a:latin typeface="Times New Roman" panose="02020603050405020304" pitchFamily="18" charset="0"/>
-                          <a:cs typeface="Times New Roman" panose="02020603050405020304" pitchFamily="18" charset="0"/>
-                        </a:rPr>
-                        <a:t>0.043</a:t>
-                      </a:r>
-                    </a:p>
-                  </a:txBody>
-                  <a:tcPr anchor="ctr"/>
-                </a:tc>
-                <a:tc>
-                  <a:txBody>
-                    <a:bodyPr/>
-                    <a:lstStyle/>
-                    <a:p>
-                      <a:pPr algn="ctr"/>
-                      <a:r>
-                        <a:rPr lang="en-TH" sz="1100" dirty="0">
-                          <a:latin typeface="Times New Roman" panose="02020603050405020304" pitchFamily="18" charset="0"/>
-                          <a:cs typeface="Times New Roman" panose="02020603050405020304" pitchFamily="18" charset="0"/>
-                        </a:rPr>
-                        <a:t>0.970</a:t>
-                      </a:r>
-                    </a:p>
-                  </a:txBody>
-                  <a:tcPr anchor="ctr"/>
-                </a:tc>
-                <a:tc>
-                  <a:txBody>
-                    <a:bodyPr/>
-                    <a:lstStyle/>
-                    <a:p>
-                      <a:pPr algn="ctr"/>
-                      <a:r>
-                        <a:rPr lang="en-TH" sz="1100" dirty="0">
-                          <a:latin typeface="Times New Roman" panose="02020603050405020304" pitchFamily="18" charset="0"/>
-                          <a:cs typeface="Times New Roman" panose="02020603050405020304" pitchFamily="18" charset="0"/>
-                        </a:rPr>
-                        <a:t>0.968</a:t>
-                      </a:r>
-                    </a:p>
-                  </a:txBody>
-                  <a:tcPr anchor="ctr"/>
-                </a:tc>
-                <a:tc>
-                  <a:txBody>
-                    <a:bodyPr/>
-                    <a:lstStyle/>
-                    <a:p>
-                      <a:pPr algn="ctr"/>
-                      <a:r>
-                        <a:rPr lang="en-TH" sz="1100" dirty="0">
-                          <a:latin typeface="Times New Roman" panose="02020603050405020304" pitchFamily="18" charset="0"/>
-                          <a:cs typeface="Times New Roman" panose="02020603050405020304" pitchFamily="18" charset="0"/>
-                        </a:rPr>
-                        <a:t>0.969</a:t>
-                      </a:r>
-                    </a:p>
-                  </a:txBody>
-                  <a:tcPr anchor="ctr"/>
-                </a:tc>
-                <a:tc>
-                  <a:txBody>
-                    <a:bodyPr/>
-                    <a:lstStyle/>
-                    <a:p>
-                      <a:pPr algn="ctr"/>
-                      <a:r>
-                        <a:rPr lang="en-TH" sz="1100" dirty="0">
-                          <a:latin typeface="Times New Roman" panose="02020603050405020304" pitchFamily="18" charset="0"/>
-                          <a:cs typeface="Times New Roman" panose="02020603050405020304" pitchFamily="18" charset="0"/>
-                        </a:rPr>
-                        <a:t>388.85</a:t>
-                      </a:r>
-                    </a:p>
-                  </a:txBody>
-                  <a:tcPr anchor="ctr"/>
-                </a:tc>
-                <a:extLst>
-                  <a:ext uri="{0D108BD9-81ED-4DB2-BD59-A6C34878D82A}">
-                    <a16:rowId xmlns:a16="http://schemas.microsoft.com/office/drawing/2014/main" val="817301648"/>
-                  </a:ext>
-                </a:extLst>
-              </a:tr>
-              <a:tr h="419773">
-                <a:tc>
-                  <a:txBody>
-                    <a:bodyPr/>
-                    <a:lstStyle/>
-                    <a:p>
-                      <a:pPr algn="ctr"/>
-                      <a:r>
-                        <a:rPr lang="en-TH" sz="1100" dirty="0">
-                          <a:latin typeface="Times New Roman" panose="02020603050405020304" pitchFamily="18" charset="0"/>
-                          <a:cs typeface="Times New Roman" panose="02020603050405020304" pitchFamily="18" charset="0"/>
-                        </a:rPr>
-                        <a:t>Batch size: 32</a:t>
-                      </a:r>
-                    </a:p>
-                    <a:p>
-                      <a:pPr algn="ctr"/>
-                      <a:r>
-                        <a:rPr lang="en-TH" sz="1100" dirty="0">
-                          <a:latin typeface="Times New Roman" panose="02020603050405020304" pitchFamily="18" charset="0"/>
-                          <a:cs typeface="Times New Roman" panose="02020603050405020304" pitchFamily="18" charset="0"/>
-                        </a:rPr>
-                        <a:t>Learning Rate: 1e-2</a:t>
-                      </a:r>
-                    </a:p>
-                  </a:txBody>
-                  <a:tcPr anchor="ctr"/>
-                </a:tc>
-                <a:tc>
-                  <a:txBody>
-                    <a:bodyPr/>
-                    <a:lstStyle/>
-                    <a:p>
-                      <a:pPr algn="ctr"/>
-                      <a:r>
-                        <a:rPr lang="en-TH" sz="1100" dirty="0">
-                          <a:latin typeface="Times New Roman" panose="02020603050405020304" pitchFamily="18" charset="0"/>
-                          <a:cs typeface="Times New Roman" panose="02020603050405020304" pitchFamily="18" charset="0"/>
-                        </a:rPr>
-                        <a:t>0.497</a:t>
-                      </a:r>
-                    </a:p>
-                  </a:txBody>
-                  <a:tcPr anchor="ctr"/>
-                </a:tc>
-                <a:tc>
-                  <a:txBody>
-                    <a:bodyPr/>
-                    <a:lstStyle/>
-                    <a:p>
-                      <a:pPr algn="ctr"/>
-                      <a:r>
-                        <a:rPr lang="en-TH" sz="1100" dirty="0">
-                          <a:latin typeface="Times New Roman" panose="02020603050405020304" pitchFamily="18" charset="0"/>
-                          <a:cs typeface="Times New Roman" panose="02020603050405020304" pitchFamily="18" charset="0"/>
-                        </a:rPr>
-                        <a:t>0.454</a:t>
-                      </a:r>
-                    </a:p>
-                  </a:txBody>
-                  <a:tcPr anchor="ctr"/>
-                </a:tc>
-                <a:tc>
-                  <a:txBody>
-                    <a:bodyPr/>
-                    <a:lstStyle/>
-                    <a:p>
-                      <a:pPr algn="ctr"/>
-                      <a:r>
-                        <a:rPr lang="en-TH" sz="1100" dirty="0">
-                          <a:latin typeface="Times New Roman" panose="02020603050405020304" pitchFamily="18" charset="0"/>
-                          <a:cs typeface="Times New Roman" panose="02020603050405020304" pitchFamily="18" charset="0"/>
-                        </a:rPr>
-                        <a:t>0.453</a:t>
-                      </a:r>
-                    </a:p>
-                  </a:txBody>
-                  <a:tcPr anchor="ctr"/>
-                </a:tc>
-                <a:tc>
-                  <a:txBody>
-                    <a:bodyPr/>
-                    <a:lstStyle/>
-                    <a:p>
-                      <a:pPr algn="ctr"/>
-                      <a:r>
-                        <a:rPr lang="en-TH" sz="1100" dirty="0">
-                          <a:latin typeface="Times New Roman" panose="02020603050405020304" pitchFamily="18" charset="0"/>
-                          <a:cs typeface="Times New Roman" panose="02020603050405020304" pitchFamily="18" charset="0"/>
-                        </a:rPr>
-                        <a:t>0.904</a:t>
-                      </a:r>
-                    </a:p>
-                  </a:txBody>
-                  <a:tcPr anchor="ctr"/>
-                </a:tc>
-                <a:tc>
-                  <a:txBody>
-                    <a:bodyPr/>
-                    <a:lstStyle/>
-                    <a:p>
-                      <a:pPr marL="0" marR="0" lvl="0" indent="0" algn="ctr" defTabSz="914400" rtl="0" eaLnBrk="1" fontAlgn="auto" latinLnBrk="0" hangingPunct="1">
-                        <a:lnSpc>
-                          <a:spcPct val="100000"/>
-                        </a:lnSpc>
-                        <a:spcBef>
-                          <a:spcPts val="0"/>
-                        </a:spcBef>
-                        <a:spcAft>
-                          <a:spcPts val="0"/>
-                        </a:spcAft>
-                        <a:buClrTx/>
-                        <a:buSzTx/>
-                        <a:buFontTx/>
-                        <a:buNone/>
-                        <a:tabLst/>
-                        <a:defRPr/>
-                      </a:pPr>
-                      <a:r>
-                        <a:rPr lang="en-TH" sz="1100" dirty="0">
-                          <a:latin typeface="Times New Roman" panose="02020603050405020304" pitchFamily="18" charset="0"/>
-                          <a:cs typeface="Times New Roman" panose="02020603050405020304" pitchFamily="18" charset="0"/>
-                        </a:rPr>
-                        <a:t>0.904</a:t>
-                      </a:r>
-                    </a:p>
-                  </a:txBody>
-                  <a:tcPr anchor="ctr"/>
-                </a:tc>
-                <a:tc>
-                  <a:txBody>
-                    <a:bodyPr/>
-                    <a:lstStyle/>
-                    <a:p>
-                      <a:pPr marL="0" marR="0" lvl="0" indent="0" algn="ctr" defTabSz="914400" rtl="0" eaLnBrk="1" fontAlgn="auto" latinLnBrk="0" hangingPunct="1">
-                        <a:lnSpc>
-                          <a:spcPct val="100000"/>
-                        </a:lnSpc>
-                        <a:spcBef>
-                          <a:spcPts val="0"/>
-                        </a:spcBef>
-                        <a:spcAft>
-                          <a:spcPts val="0"/>
-                        </a:spcAft>
-                        <a:buClrTx/>
-                        <a:buSzTx/>
-                        <a:buFontTx/>
-                        <a:buNone/>
-                        <a:tabLst/>
-                        <a:defRPr/>
-                      </a:pPr>
-                      <a:r>
-                        <a:rPr lang="en-TH" sz="1100" dirty="0">
-                          <a:latin typeface="Times New Roman" panose="02020603050405020304" pitchFamily="18" charset="0"/>
-                          <a:cs typeface="Times New Roman" panose="02020603050405020304" pitchFamily="18" charset="0"/>
-                        </a:rPr>
-                        <a:t>0.904</a:t>
-                      </a:r>
-                    </a:p>
-                  </a:txBody>
-                  <a:tcPr anchor="ctr"/>
-                </a:tc>
-                <a:tc>
-                  <a:txBody>
-                    <a:bodyPr/>
-                    <a:lstStyle/>
-                    <a:p>
-                      <a:pPr algn="ctr"/>
-                      <a:r>
-                        <a:rPr lang="en-TH" sz="1100" dirty="0">
-                          <a:latin typeface="Times New Roman" panose="02020603050405020304" pitchFamily="18" charset="0"/>
-                          <a:cs typeface="Times New Roman" panose="02020603050405020304" pitchFamily="18" charset="0"/>
-                        </a:rPr>
-                        <a:t>388.24</a:t>
-                      </a:r>
-                    </a:p>
-                  </a:txBody>
-                  <a:tcPr anchor="ctr"/>
-                </a:tc>
-                <a:extLst>
-                  <a:ext uri="{0D108BD9-81ED-4DB2-BD59-A6C34878D82A}">
-                    <a16:rowId xmlns:a16="http://schemas.microsoft.com/office/drawing/2014/main" val="3153967809"/>
-                  </a:ext>
-                </a:extLst>
-              </a:tr>
-              <a:tr h="419773">
-                <a:tc>
-                  <a:txBody>
-                    <a:bodyPr/>
-                    <a:lstStyle/>
-                    <a:p>
-                      <a:pPr algn="ctr"/>
-                      <a:r>
-                        <a:rPr lang="en-TH" sz="1100" dirty="0">
-                          <a:latin typeface="Times New Roman" panose="02020603050405020304" pitchFamily="18" charset="0"/>
-                          <a:cs typeface="Times New Roman" panose="02020603050405020304" pitchFamily="18" charset="0"/>
-                        </a:rPr>
-                        <a:t>Batch size: 32</a:t>
-                      </a:r>
-                    </a:p>
-                    <a:p>
-                      <a:pPr algn="ctr"/>
-                      <a:r>
-                        <a:rPr lang="en-TH" sz="1100" dirty="0">
-                          <a:latin typeface="Times New Roman" panose="02020603050405020304" pitchFamily="18" charset="0"/>
-                          <a:cs typeface="Times New Roman" panose="02020603050405020304" pitchFamily="18" charset="0"/>
-                        </a:rPr>
-                        <a:t>Learning Rate: 1e-3</a:t>
-                      </a:r>
-                    </a:p>
-                  </a:txBody>
-                  <a:tcPr anchor="ctr"/>
-                </a:tc>
-                <a:tc>
-                  <a:txBody>
-                    <a:bodyPr/>
-                    <a:lstStyle/>
-                    <a:p>
-                      <a:pPr algn="ctr"/>
-                      <a:r>
-                        <a:rPr lang="en-TH" sz="1100" dirty="0">
-                          <a:latin typeface="Times New Roman" panose="02020603050405020304" pitchFamily="18" charset="0"/>
-                          <a:cs typeface="Times New Roman" panose="02020603050405020304" pitchFamily="18" charset="0"/>
-                        </a:rPr>
-                        <a:t>0.336</a:t>
-                      </a:r>
-                    </a:p>
-                  </a:txBody>
-                  <a:tcPr anchor="ctr"/>
-                </a:tc>
-                <a:tc>
-                  <a:txBody>
-                    <a:bodyPr/>
-                    <a:lstStyle/>
-                    <a:p>
-                      <a:pPr algn="ctr"/>
-                      <a:r>
-                        <a:rPr lang="en-TH" sz="1100" dirty="0">
-                          <a:latin typeface="Times New Roman" panose="02020603050405020304" pitchFamily="18" charset="0"/>
-                          <a:cs typeface="Times New Roman" panose="02020603050405020304" pitchFamily="18" charset="0"/>
-                        </a:rPr>
-                        <a:t>0.321</a:t>
-                      </a:r>
-                    </a:p>
-                  </a:txBody>
-                  <a:tcPr anchor="ctr"/>
-                </a:tc>
-                <a:tc>
-                  <a:txBody>
-                    <a:bodyPr/>
-                    <a:lstStyle/>
-                    <a:p>
-                      <a:pPr algn="ctr"/>
-                      <a:r>
-                        <a:rPr lang="en-TH" sz="1100" dirty="0">
-                          <a:latin typeface="Times New Roman" panose="02020603050405020304" pitchFamily="18" charset="0"/>
-                          <a:cs typeface="Times New Roman" panose="02020603050405020304" pitchFamily="18" charset="0"/>
-                        </a:rPr>
-                        <a:t>0.320</a:t>
-                      </a:r>
-                    </a:p>
-                  </a:txBody>
-                  <a:tcPr anchor="ctr"/>
-                </a:tc>
-                <a:tc>
-                  <a:txBody>
-                    <a:bodyPr/>
-                    <a:lstStyle/>
-                    <a:p>
-                      <a:pPr algn="ctr"/>
-                      <a:r>
-                        <a:rPr lang="en-TH" sz="1100" dirty="0">
-                          <a:latin typeface="Times New Roman" panose="02020603050405020304" pitchFamily="18" charset="0"/>
-                          <a:cs typeface="Times New Roman" panose="02020603050405020304" pitchFamily="18" charset="0"/>
-                        </a:rPr>
-                        <a:t>0.904</a:t>
-                      </a:r>
-                    </a:p>
-                  </a:txBody>
-                  <a:tcPr anchor="ctr"/>
-                </a:tc>
-                <a:tc>
-                  <a:txBody>
-                    <a:bodyPr/>
-                    <a:lstStyle/>
-                    <a:p>
-                      <a:pPr marL="0" marR="0" lvl="0" indent="0" algn="ctr" defTabSz="914400" rtl="0" eaLnBrk="1" fontAlgn="auto" latinLnBrk="0" hangingPunct="1">
-                        <a:lnSpc>
-                          <a:spcPct val="100000"/>
-                        </a:lnSpc>
-                        <a:spcBef>
-                          <a:spcPts val="0"/>
-                        </a:spcBef>
-                        <a:spcAft>
-                          <a:spcPts val="0"/>
-                        </a:spcAft>
-                        <a:buClrTx/>
-                        <a:buSzTx/>
-                        <a:buFontTx/>
-                        <a:buNone/>
-                        <a:tabLst/>
-                        <a:defRPr/>
-                      </a:pPr>
-                      <a:r>
-                        <a:rPr lang="en-TH" sz="1100" dirty="0">
-                          <a:latin typeface="Times New Roman" panose="02020603050405020304" pitchFamily="18" charset="0"/>
-                          <a:cs typeface="Times New Roman" panose="02020603050405020304" pitchFamily="18" charset="0"/>
-                        </a:rPr>
-                        <a:t>0.904</a:t>
-                      </a:r>
-                    </a:p>
-                  </a:txBody>
-                  <a:tcPr anchor="ctr"/>
-                </a:tc>
-                <a:tc>
-                  <a:txBody>
-                    <a:bodyPr/>
-                    <a:lstStyle/>
-                    <a:p>
-                      <a:pPr marL="0" marR="0" lvl="0" indent="0" algn="ctr" defTabSz="914400" rtl="0" eaLnBrk="1" fontAlgn="auto" latinLnBrk="0" hangingPunct="1">
-                        <a:lnSpc>
-                          <a:spcPct val="100000"/>
-                        </a:lnSpc>
-                        <a:spcBef>
-                          <a:spcPts val="0"/>
-                        </a:spcBef>
-                        <a:spcAft>
-                          <a:spcPts val="0"/>
-                        </a:spcAft>
-                        <a:buClrTx/>
-                        <a:buSzTx/>
-                        <a:buFontTx/>
-                        <a:buNone/>
-                        <a:tabLst/>
-                        <a:defRPr/>
-                      </a:pPr>
-                      <a:r>
-                        <a:rPr lang="en-TH" sz="1100" dirty="0">
-                          <a:latin typeface="Times New Roman" panose="02020603050405020304" pitchFamily="18" charset="0"/>
-                          <a:cs typeface="Times New Roman" panose="02020603050405020304" pitchFamily="18" charset="0"/>
-                        </a:rPr>
-                        <a:t>0.904</a:t>
-                      </a:r>
-                    </a:p>
-                  </a:txBody>
-                  <a:tcPr anchor="ctr"/>
-                </a:tc>
-                <a:tc>
-                  <a:txBody>
-                    <a:bodyPr/>
-                    <a:lstStyle/>
-                    <a:p>
-                      <a:pPr algn="ctr"/>
-                      <a:r>
-                        <a:rPr lang="en-TH" sz="1100" dirty="0">
-                          <a:latin typeface="Times New Roman" panose="02020603050405020304" pitchFamily="18" charset="0"/>
-                          <a:cs typeface="Times New Roman" panose="02020603050405020304" pitchFamily="18" charset="0"/>
-                        </a:rPr>
-                        <a:t>388.79</a:t>
-                      </a:r>
-                    </a:p>
-                  </a:txBody>
-                  <a:tcPr anchor="ctr"/>
-                </a:tc>
-                <a:extLst>
-                  <a:ext uri="{0D108BD9-81ED-4DB2-BD59-A6C34878D82A}">
-                    <a16:rowId xmlns:a16="http://schemas.microsoft.com/office/drawing/2014/main" val="3127762350"/>
-                  </a:ext>
-                </a:extLst>
-              </a:tr>
-              <a:tr h="419773">
-                <a:tc>
-                  <a:txBody>
-                    <a:bodyPr/>
-                    <a:lstStyle/>
-                    <a:p>
-                      <a:pPr algn="ctr"/>
-                      <a:r>
-                        <a:rPr lang="en-TH" sz="1100" dirty="0">
-                          <a:latin typeface="Times New Roman" panose="02020603050405020304" pitchFamily="18" charset="0"/>
-                          <a:cs typeface="Times New Roman" panose="02020603050405020304" pitchFamily="18" charset="0"/>
-                        </a:rPr>
-                        <a:t>Batch size: 32</a:t>
-                      </a:r>
-                    </a:p>
-                    <a:p>
-                      <a:pPr algn="ctr"/>
-                      <a:r>
-                        <a:rPr lang="en-TH" sz="1100" dirty="0">
-                          <a:latin typeface="Times New Roman" panose="02020603050405020304" pitchFamily="18" charset="0"/>
-                          <a:cs typeface="Times New Roman" panose="02020603050405020304" pitchFamily="18" charset="0"/>
-                        </a:rPr>
-                        <a:t>Learning Rate: 1e-4</a:t>
-                      </a:r>
-                    </a:p>
-                  </a:txBody>
-                  <a:tcPr anchor="ctr"/>
-                </a:tc>
-                <a:tc>
-                  <a:txBody>
-                    <a:bodyPr/>
-                    <a:lstStyle/>
-                    <a:p>
-                      <a:pPr algn="ctr"/>
-                      <a:r>
-                        <a:rPr lang="en-TH" sz="1100" dirty="0">
-                          <a:latin typeface="Times New Roman" panose="02020603050405020304" pitchFamily="18" charset="0"/>
-                          <a:cs typeface="Times New Roman" panose="02020603050405020304" pitchFamily="18" charset="0"/>
-                        </a:rPr>
-                        <a:t>0.184</a:t>
-                      </a:r>
-                    </a:p>
-                  </a:txBody>
-                  <a:tcPr anchor="ctr"/>
-                </a:tc>
-                <a:tc>
-                  <a:txBody>
-                    <a:bodyPr/>
-                    <a:lstStyle/>
-                    <a:p>
-                      <a:pPr algn="ctr"/>
-                      <a:r>
-                        <a:rPr lang="en-TH" sz="1100" dirty="0">
-                          <a:latin typeface="Times New Roman" panose="02020603050405020304" pitchFamily="18" charset="0"/>
-                          <a:cs typeface="Times New Roman" panose="02020603050405020304" pitchFamily="18" charset="0"/>
-                        </a:rPr>
-                        <a:t>0.105</a:t>
-                      </a:r>
-                    </a:p>
-                  </a:txBody>
-                  <a:tcPr anchor="ctr"/>
-                </a:tc>
-                <a:tc>
-                  <a:txBody>
-                    <a:bodyPr/>
-                    <a:lstStyle/>
-                    <a:p>
-                      <a:pPr algn="ctr"/>
-                      <a:r>
-                        <a:rPr lang="en-TH" sz="1100" dirty="0">
-                          <a:latin typeface="Times New Roman" panose="02020603050405020304" pitchFamily="18" charset="0"/>
-                          <a:cs typeface="Times New Roman" panose="02020603050405020304" pitchFamily="18" charset="0"/>
-                        </a:rPr>
-                        <a:t>0.108</a:t>
-                      </a:r>
-                    </a:p>
-                  </a:txBody>
-                  <a:tcPr anchor="ctr"/>
-                </a:tc>
-                <a:tc>
-                  <a:txBody>
-                    <a:bodyPr/>
-                    <a:lstStyle/>
-                    <a:p>
-                      <a:pPr algn="ctr"/>
-                      <a:r>
-                        <a:rPr lang="en-TH" sz="1100" dirty="0">
-                          <a:latin typeface="Times New Roman" panose="02020603050405020304" pitchFamily="18" charset="0"/>
-                          <a:cs typeface="Times New Roman" panose="02020603050405020304" pitchFamily="18" charset="0"/>
-                        </a:rPr>
-                        <a:t>0.944</a:t>
-                      </a:r>
-                    </a:p>
-                  </a:txBody>
-                  <a:tcPr anchor="ctr"/>
-                </a:tc>
-                <a:tc>
-                  <a:txBody>
-                    <a:bodyPr/>
-                    <a:lstStyle/>
-                    <a:p>
-                      <a:pPr marL="0" marR="0" lvl="0" indent="0" algn="ctr" defTabSz="914400" rtl="0" eaLnBrk="1" fontAlgn="auto" latinLnBrk="0" hangingPunct="1">
-                        <a:lnSpc>
-                          <a:spcPct val="100000"/>
-                        </a:lnSpc>
-                        <a:spcBef>
-                          <a:spcPts val="0"/>
-                        </a:spcBef>
-                        <a:spcAft>
-                          <a:spcPts val="0"/>
-                        </a:spcAft>
-                        <a:buClrTx/>
-                        <a:buSzTx/>
-                        <a:buFontTx/>
-                        <a:buNone/>
-                        <a:tabLst/>
-                        <a:defRPr/>
-                      </a:pPr>
-                      <a:r>
-                        <a:rPr lang="en-TH" sz="1100" dirty="0">
-                          <a:latin typeface="Times New Roman" panose="02020603050405020304" pitchFamily="18" charset="0"/>
-                          <a:cs typeface="Times New Roman" panose="02020603050405020304" pitchFamily="18" charset="0"/>
-                        </a:rPr>
-                        <a:t>0.970</a:t>
-                      </a:r>
-                    </a:p>
-                  </a:txBody>
-                  <a:tcPr anchor="ctr"/>
-                </a:tc>
-                <a:tc>
-                  <a:txBody>
-                    <a:bodyPr/>
-                    <a:lstStyle/>
-                    <a:p>
-                      <a:pPr marL="0" marR="0" lvl="0" indent="0" algn="ctr" defTabSz="914400" rtl="0" eaLnBrk="1" fontAlgn="auto" latinLnBrk="0" hangingPunct="1">
-                        <a:lnSpc>
-                          <a:spcPct val="100000"/>
-                        </a:lnSpc>
-                        <a:spcBef>
-                          <a:spcPts val="0"/>
-                        </a:spcBef>
-                        <a:spcAft>
-                          <a:spcPts val="0"/>
-                        </a:spcAft>
-                        <a:buClrTx/>
-                        <a:buSzTx/>
-                        <a:buFontTx/>
-                        <a:buNone/>
-                        <a:tabLst/>
-                        <a:defRPr/>
-                      </a:pPr>
-                      <a:r>
-                        <a:rPr lang="en-TH" sz="1100" dirty="0">
-                          <a:latin typeface="Times New Roman" panose="02020603050405020304" pitchFamily="18" charset="0"/>
-                          <a:cs typeface="Times New Roman" panose="02020603050405020304" pitchFamily="18" charset="0"/>
-                        </a:rPr>
-                        <a:t>0.942</a:t>
-                      </a:r>
-                    </a:p>
-                  </a:txBody>
-                  <a:tcPr anchor="ctr"/>
-                </a:tc>
-                <a:tc>
-                  <a:txBody>
-                    <a:bodyPr/>
-                    <a:lstStyle/>
-                    <a:p>
-                      <a:pPr algn="ctr"/>
-                      <a:r>
-                        <a:rPr lang="en-TH" sz="1100" dirty="0">
-                          <a:latin typeface="Times New Roman" panose="02020603050405020304" pitchFamily="18" charset="0"/>
-                          <a:cs typeface="Times New Roman" panose="02020603050405020304" pitchFamily="18" charset="0"/>
-                        </a:rPr>
-                        <a:t>389.06</a:t>
-                      </a:r>
-                    </a:p>
-                  </a:txBody>
-                  <a:tcPr anchor="ctr"/>
-                </a:tc>
-                <a:extLst>
-                  <a:ext uri="{0D108BD9-81ED-4DB2-BD59-A6C34878D82A}">
-                    <a16:rowId xmlns:a16="http://schemas.microsoft.com/office/drawing/2014/main" val="3970982537"/>
-                  </a:ext>
-                </a:extLst>
-              </a:tr>
-              <a:tr h="161319">
-                <a:tc>
-                  <a:txBody>
-                    <a:bodyPr/>
-                    <a:lstStyle/>
-                    <a:p>
-                      <a:pPr algn="ctr"/>
-                      <a:r>
-                        <a:rPr lang="en-TH" sz="1100" dirty="0">
-                          <a:latin typeface="Times New Roman" panose="02020603050405020304" pitchFamily="18" charset="0"/>
-                          <a:cs typeface="Times New Roman" panose="02020603050405020304" pitchFamily="18" charset="0"/>
-                        </a:rPr>
-                        <a:t>Batch size: 32</a:t>
-                      </a:r>
-                    </a:p>
-                    <a:p>
-                      <a:pPr algn="ctr"/>
-                      <a:r>
-                        <a:rPr lang="en-TH" sz="1100" dirty="0">
-                          <a:latin typeface="Times New Roman" panose="02020603050405020304" pitchFamily="18" charset="0"/>
-                          <a:cs typeface="Times New Roman" panose="02020603050405020304" pitchFamily="18" charset="0"/>
-                        </a:rPr>
-                        <a:t>Learning Rate: 1e-5</a:t>
-                      </a:r>
-                    </a:p>
-                  </a:txBody>
-                  <a:tcPr anchor="ctr"/>
-                </a:tc>
-                <a:tc>
-                  <a:txBody>
-                    <a:bodyPr/>
-                    <a:lstStyle/>
-                    <a:p>
-                      <a:pPr algn="ctr"/>
-                      <a:r>
-                        <a:rPr lang="en-TH" sz="1100" dirty="0">
-                          <a:latin typeface="Times New Roman" panose="02020603050405020304" pitchFamily="18" charset="0"/>
-                          <a:cs typeface="Times New Roman" panose="02020603050405020304" pitchFamily="18" charset="0"/>
-                        </a:rPr>
-                        <a:t>0.145</a:t>
-                      </a:r>
-                    </a:p>
-                  </a:txBody>
-                  <a:tcPr anchor="ctr"/>
-                </a:tc>
-                <a:tc>
-                  <a:txBody>
-                    <a:bodyPr/>
-                    <a:lstStyle/>
-                    <a:p>
-                      <a:pPr algn="ctr"/>
-                      <a:r>
-                        <a:rPr lang="en-TH" sz="1100" dirty="0">
-                          <a:latin typeface="Times New Roman" panose="02020603050405020304" pitchFamily="18" charset="0"/>
-                          <a:cs typeface="Times New Roman" panose="02020603050405020304" pitchFamily="18" charset="0"/>
-                        </a:rPr>
-                        <a:t>0.073</a:t>
-                      </a:r>
-                    </a:p>
-                  </a:txBody>
-                  <a:tcPr anchor="ctr"/>
-                </a:tc>
-                <a:tc>
-                  <a:txBody>
-                    <a:bodyPr/>
-                    <a:lstStyle/>
-                    <a:p>
-                      <a:pPr algn="ctr"/>
-                      <a:r>
-                        <a:rPr lang="en-TH" sz="1100" dirty="0">
-                          <a:latin typeface="Times New Roman" panose="02020603050405020304" pitchFamily="18" charset="0"/>
-                          <a:cs typeface="Times New Roman" panose="02020603050405020304" pitchFamily="18" charset="0"/>
-                        </a:rPr>
-                        <a:t>0.046</a:t>
-                      </a:r>
-                    </a:p>
-                  </a:txBody>
-                  <a:tcPr anchor="ctr"/>
-                </a:tc>
-                <a:tc>
-                  <a:txBody>
-                    <a:bodyPr/>
-                    <a:lstStyle/>
-                    <a:p>
-                      <a:pPr algn="ctr"/>
-                      <a:r>
-                        <a:rPr lang="en-TH" sz="1100" dirty="0">
-                          <a:latin typeface="Times New Roman" panose="02020603050405020304" pitchFamily="18" charset="0"/>
-                          <a:cs typeface="Times New Roman" panose="02020603050405020304" pitchFamily="18" charset="0"/>
-                        </a:rPr>
-                        <a:t>0.970</a:t>
-                      </a:r>
-                    </a:p>
-                  </a:txBody>
-                  <a:tcPr anchor="ctr"/>
-                </a:tc>
-                <a:tc>
-                  <a:txBody>
-                    <a:bodyPr/>
-                    <a:lstStyle/>
-                    <a:p>
-                      <a:pPr algn="ctr"/>
-                      <a:r>
-                        <a:rPr lang="en-TH" sz="1100" dirty="0">
-                          <a:latin typeface="Times New Roman" panose="02020603050405020304" pitchFamily="18" charset="0"/>
-                          <a:cs typeface="Times New Roman" panose="02020603050405020304" pitchFamily="18" charset="0"/>
-                        </a:rPr>
-                        <a:t>0.966</a:t>
-                      </a:r>
-                    </a:p>
-                  </a:txBody>
-                  <a:tcPr anchor="ctr"/>
-                </a:tc>
-                <a:tc>
-                  <a:txBody>
-                    <a:bodyPr/>
-                    <a:lstStyle/>
-                    <a:p>
-                      <a:pPr algn="ctr"/>
-                      <a:r>
-                        <a:rPr lang="en-TH" sz="1100" dirty="0">
-                          <a:latin typeface="Times New Roman" panose="02020603050405020304" pitchFamily="18" charset="0"/>
-                          <a:cs typeface="Times New Roman" panose="02020603050405020304" pitchFamily="18" charset="0"/>
-                        </a:rPr>
-                        <a:t>0.973</a:t>
-                      </a:r>
-                    </a:p>
-                  </a:txBody>
-                  <a:tcPr anchor="ctr"/>
-                </a:tc>
-                <a:tc>
-                  <a:txBody>
-                    <a:bodyPr/>
-                    <a:lstStyle/>
-                    <a:p>
-                      <a:pPr algn="ctr"/>
-                      <a:r>
-                        <a:rPr lang="en-TH" sz="1100" dirty="0">
-                          <a:latin typeface="Times New Roman" panose="02020603050405020304" pitchFamily="18" charset="0"/>
-                          <a:cs typeface="Times New Roman" panose="02020603050405020304" pitchFamily="18" charset="0"/>
-                        </a:rPr>
-                        <a:t>389.27</a:t>
-                      </a:r>
-                    </a:p>
-                  </a:txBody>
-                  <a:tcPr anchor="ctr"/>
-                </a:tc>
-                <a:extLst>
-                  <a:ext uri="{0D108BD9-81ED-4DB2-BD59-A6C34878D82A}">
-                    <a16:rowId xmlns:a16="http://schemas.microsoft.com/office/drawing/2014/main" val="3552246289"/>
-                  </a:ext>
-                </a:extLst>
-              </a:tr>
-              <a:tr h="0">
-                <a:tc>
-                  <a:txBody>
-                    <a:bodyPr/>
-                    <a:lstStyle/>
-                    <a:p>
-                      <a:pPr algn="ctr"/>
-                      <a:r>
-                        <a:rPr lang="en-TH" sz="1100" dirty="0">
-                          <a:latin typeface="Times New Roman" panose="02020603050405020304" pitchFamily="18" charset="0"/>
-                          <a:cs typeface="Times New Roman" panose="02020603050405020304" pitchFamily="18" charset="0"/>
-                        </a:rPr>
-                        <a:t>Batch size: 32</a:t>
-                      </a:r>
-                    </a:p>
-                    <a:p>
-                      <a:pPr algn="ctr"/>
-                      <a:r>
-                        <a:rPr lang="en-TH" sz="1100" dirty="0">
-                          <a:latin typeface="Times New Roman" panose="02020603050405020304" pitchFamily="18" charset="0"/>
-                          <a:cs typeface="Times New Roman" panose="02020603050405020304" pitchFamily="18" charset="0"/>
-                        </a:rPr>
-                        <a:t>Learning Rate: 1e-6</a:t>
-                      </a:r>
-                    </a:p>
-                  </a:txBody>
-                  <a:tcPr anchor="ctr"/>
-                </a:tc>
-                <a:tc>
-                  <a:txBody>
-                    <a:bodyPr/>
-                    <a:lstStyle/>
-                    <a:p>
-                      <a:pPr algn="ctr"/>
-                      <a:r>
-                        <a:rPr lang="en-TH" sz="1100" dirty="0">
-                          <a:latin typeface="Times New Roman" panose="02020603050405020304" pitchFamily="18" charset="0"/>
-                          <a:cs typeface="Times New Roman" panose="02020603050405020304" pitchFamily="18" charset="0"/>
-                        </a:rPr>
-                        <a:t>0.263</a:t>
-                      </a:r>
-                    </a:p>
-                  </a:txBody>
-                  <a:tcPr anchor="ctr"/>
-                </a:tc>
-                <a:tc>
-                  <a:txBody>
-                    <a:bodyPr/>
-                    <a:lstStyle/>
-                    <a:p>
-                      <a:pPr algn="ctr"/>
-                      <a:r>
-                        <a:rPr lang="en-TH" sz="1100" dirty="0">
-                          <a:latin typeface="Times New Roman" panose="02020603050405020304" pitchFamily="18" charset="0"/>
-                          <a:cs typeface="Times New Roman" panose="02020603050405020304" pitchFamily="18" charset="0"/>
-                        </a:rPr>
-                        <a:t>0.145</a:t>
-                      </a:r>
-                    </a:p>
-                  </a:txBody>
-                  <a:tcPr anchor="ctr"/>
-                </a:tc>
-                <a:tc>
-                  <a:txBody>
-                    <a:bodyPr/>
-                    <a:lstStyle/>
-                    <a:p>
-                      <a:pPr algn="ctr"/>
-                      <a:r>
-                        <a:rPr lang="en-TH" sz="1100" dirty="0">
-                          <a:latin typeface="Times New Roman" panose="02020603050405020304" pitchFamily="18" charset="0"/>
-                          <a:cs typeface="Times New Roman" panose="02020603050405020304" pitchFamily="18" charset="0"/>
-                        </a:rPr>
-                        <a:t>0.108</a:t>
-                      </a:r>
-                    </a:p>
-                  </a:txBody>
-                  <a:tcPr anchor="ctr"/>
-                </a:tc>
-                <a:tc>
-                  <a:txBody>
-                    <a:bodyPr/>
-                    <a:lstStyle/>
-                    <a:p>
-                      <a:pPr algn="ctr"/>
-                      <a:r>
-                        <a:rPr lang="en-TH" sz="1100" dirty="0">
-                          <a:latin typeface="Times New Roman" panose="02020603050405020304" pitchFamily="18" charset="0"/>
-                          <a:cs typeface="Times New Roman" panose="02020603050405020304" pitchFamily="18" charset="0"/>
-                        </a:rPr>
-                        <a:t>0.917</a:t>
-                      </a:r>
-                    </a:p>
-                  </a:txBody>
-                  <a:tcPr anchor="ctr"/>
-                </a:tc>
-                <a:tc>
-                  <a:txBody>
-                    <a:bodyPr/>
-                    <a:lstStyle/>
-                    <a:p>
-                      <a:pPr algn="ctr"/>
-                      <a:r>
-                        <a:rPr lang="en-TH" sz="1100" dirty="0">
-                          <a:latin typeface="Times New Roman" panose="02020603050405020304" pitchFamily="18" charset="0"/>
-                          <a:cs typeface="Times New Roman" panose="02020603050405020304" pitchFamily="18" charset="0"/>
-                        </a:rPr>
-                        <a:t>0.964</a:t>
-                      </a:r>
-                    </a:p>
-                  </a:txBody>
-                  <a:tcPr anchor="ctr"/>
-                </a:tc>
-                <a:tc>
-                  <a:txBody>
-                    <a:bodyPr/>
-                    <a:lstStyle/>
-                    <a:p>
-                      <a:pPr algn="ctr"/>
-                      <a:r>
-                        <a:rPr lang="en-TH" sz="1100" dirty="0">
-                          <a:latin typeface="Times New Roman" panose="02020603050405020304" pitchFamily="18" charset="0"/>
-                          <a:cs typeface="Times New Roman" panose="02020603050405020304" pitchFamily="18" charset="0"/>
-                        </a:rPr>
-                        <a:t>0.963</a:t>
-                      </a:r>
-                    </a:p>
-                  </a:txBody>
-                  <a:tcPr anchor="ctr"/>
-                </a:tc>
-                <a:tc>
-                  <a:txBody>
-                    <a:bodyPr/>
-                    <a:lstStyle/>
-                    <a:p>
-                      <a:pPr algn="ctr"/>
-                      <a:r>
-                        <a:rPr lang="en-TH" sz="1100" dirty="0">
-                          <a:latin typeface="Times New Roman" panose="02020603050405020304" pitchFamily="18" charset="0"/>
-                          <a:cs typeface="Times New Roman" panose="02020603050405020304" pitchFamily="18" charset="0"/>
-                        </a:rPr>
-                        <a:t>389.59</a:t>
-                      </a:r>
-                    </a:p>
-                  </a:txBody>
-                  <a:tcPr anchor="ctr"/>
-                </a:tc>
-                <a:extLst>
-                  <a:ext uri="{0D108BD9-81ED-4DB2-BD59-A6C34878D82A}">
-                    <a16:rowId xmlns:a16="http://schemas.microsoft.com/office/drawing/2014/main" val="2944426794"/>
-                  </a:ext>
-                </a:extLst>
-              </a:tr>
-            </a:tbl>
-          </a:graphicData>
-        </a:graphic>
-      </p:graphicFrame>
     </p:spTree>
     <p:extLst>
       <p:ext uri="{BB962C8B-B14F-4D97-AF65-F5344CB8AC3E}">
@@ -35986,8 +33991,8 @@
         </p:blipFill>
         <p:spPr>
           <a:xfrm>
-            <a:off x="2072742" y="3697058"/>
-            <a:ext cx="4998516" cy="821104"/>
+            <a:off x="1845358" y="3651081"/>
+            <a:ext cx="5478654" cy="899976"/>
           </a:xfrm>
           <a:prstGeom prst="rect">
             <a:avLst/>
